--- a/Scheme Intro.pptx
+++ b/Scheme Intro.pptx
@@ -10,15 +10,21 @@
     <p:sldId id="258" r:id="rId4"/>
     <p:sldId id="269" r:id="rId5"/>
     <p:sldId id="259" r:id="rId6"/>
-    <p:sldId id="263" r:id="rId7"/>
-    <p:sldId id="264" r:id="rId8"/>
-    <p:sldId id="260" r:id="rId9"/>
-    <p:sldId id="262" r:id="rId10"/>
-    <p:sldId id="265" r:id="rId11"/>
-    <p:sldId id="266" r:id="rId12"/>
-    <p:sldId id="267" r:id="rId13"/>
-    <p:sldId id="268" r:id="rId14"/>
-    <p:sldId id="270" r:id="rId15"/>
+    <p:sldId id="271" r:id="rId7"/>
+    <p:sldId id="263" r:id="rId8"/>
+    <p:sldId id="264" r:id="rId9"/>
+    <p:sldId id="260" r:id="rId10"/>
+    <p:sldId id="262" r:id="rId11"/>
+    <p:sldId id="272" r:id="rId12"/>
+    <p:sldId id="265" r:id="rId13"/>
+    <p:sldId id="266" r:id="rId14"/>
+    <p:sldId id="273" r:id="rId15"/>
+    <p:sldId id="274" r:id="rId16"/>
+    <p:sldId id="275" r:id="rId17"/>
+    <p:sldId id="276" r:id="rId18"/>
+    <p:sldId id="267" r:id="rId19"/>
+    <p:sldId id="268" r:id="rId20"/>
+    <p:sldId id="270" r:id="rId21"/>
   </p:sldIdLst>
   <p:sldSz cx="12192000" cy="6858000"/>
   <p:notesSz cx="6858000" cy="9144000"/>
@@ -117,6 +123,11 @@
       </a:defRPr>
     </a:lvl9pPr>
   </p:defaultTextStyle>
+  <p:extLst>
+    <p:ext uri="{EFAFB233-063F-42B5-8137-9DF3F51BA10A}">
+      <p15:sldGuideLst xmlns:p15="http://schemas.microsoft.com/office/powerpoint/2012/main"/>
+    </p:ext>
+  </p:extLst>
 </p:presentation>
 </file>
 
@@ -251,7 +262,7 @@
           <a:p>
             <a:fld id="{88012532-EFDA-4494-AF15-13654E5B1450}" type="datetimeFigureOut">
               <a:rPr lang="en-GB" smtClean="0"/>
-              <a:t>02/08/2016</a:t>
+              <a:t>03/08/2016</a:t>
             </a:fld>
             <a:endParaRPr lang="en-GB"/>
           </a:p>
@@ -421,7 +432,7 @@
           <a:p>
             <a:fld id="{88012532-EFDA-4494-AF15-13654E5B1450}" type="datetimeFigureOut">
               <a:rPr lang="en-GB" smtClean="0"/>
-              <a:t>02/08/2016</a:t>
+              <a:t>03/08/2016</a:t>
             </a:fld>
             <a:endParaRPr lang="en-GB"/>
           </a:p>
@@ -601,7 +612,7 @@
           <a:p>
             <a:fld id="{88012532-EFDA-4494-AF15-13654E5B1450}" type="datetimeFigureOut">
               <a:rPr lang="en-GB" smtClean="0"/>
-              <a:t>02/08/2016</a:t>
+              <a:t>03/08/2016</a:t>
             </a:fld>
             <a:endParaRPr lang="en-GB"/>
           </a:p>
@@ -771,7 +782,7 @@
           <a:p>
             <a:fld id="{88012532-EFDA-4494-AF15-13654E5B1450}" type="datetimeFigureOut">
               <a:rPr lang="en-GB" smtClean="0"/>
-              <a:t>02/08/2016</a:t>
+              <a:t>03/08/2016</a:t>
             </a:fld>
             <a:endParaRPr lang="en-GB"/>
           </a:p>
@@ -1017,7 +1028,7 @@
           <a:p>
             <a:fld id="{88012532-EFDA-4494-AF15-13654E5B1450}" type="datetimeFigureOut">
               <a:rPr lang="en-GB" smtClean="0"/>
-              <a:t>02/08/2016</a:t>
+              <a:t>03/08/2016</a:t>
             </a:fld>
             <a:endParaRPr lang="en-GB"/>
           </a:p>
@@ -1249,7 +1260,7 @@
           <a:p>
             <a:fld id="{88012532-EFDA-4494-AF15-13654E5B1450}" type="datetimeFigureOut">
               <a:rPr lang="en-GB" smtClean="0"/>
-              <a:t>02/08/2016</a:t>
+              <a:t>03/08/2016</a:t>
             </a:fld>
             <a:endParaRPr lang="en-GB"/>
           </a:p>
@@ -1616,7 +1627,7 @@
           <a:p>
             <a:fld id="{88012532-EFDA-4494-AF15-13654E5B1450}" type="datetimeFigureOut">
               <a:rPr lang="en-GB" smtClean="0"/>
-              <a:t>02/08/2016</a:t>
+              <a:t>03/08/2016</a:t>
             </a:fld>
             <a:endParaRPr lang="en-GB"/>
           </a:p>
@@ -1734,7 +1745,7 @@
           <a:p>
             <a:fld id="{88012532-EFDA-4494-AF15-13654E5B1450}" type="datetimeFigureOut">
               <a:rPr lang="en-GB" smtClean="0"/>
-              <a:t>02/08/2016</a:t>
+              <a:t>03/08/2016</a:t>
             </a:fld>
             <a:endParaRPr lang="en-GB"/>
           </a:p>
@@ -1829,7 +1840,7 @@
           <a:p>
             <a:fld id="{88012532-EFDA-4494-AF15-13654E5B1450}" type="datetimeFigureOut">
               <a:rPr lang="en-GB" smtClean="0"/>
-              <a:t>02/08/2016</a:t>
+              <a:t>03/08/2016</a:t>
             </a:fld>
             <a:endParaRPr lang="en-GB"/>
           </a:p>
@@ -2106,7 +2117,7 @@
           <a:p>
             <a:fld id="{88012532-EFDA-4494-AF15-13654E5B1450}" type="datetimeFigureOut">
               <a:rPr lang="en-GB" smtClean="0"/>
-              <a:t>02/08/2016</a:t>
+              <a:t>03/08/2016</a:t>
             </a:fld>
             <a:endParaRPr lang="en-GB"/>
           </a:p>
@@ -2359,7 +2370,7 @@
           <a:p>
             <a:fld id="{88012532-EFDA-4494-AF15-13654E5B1450}" type="datetimeFigureOut">
               <a:rPr lang="en-GB" smtClean="0"/>
-              <a:t>02/08/2016</a:t>
+              <a:t>03/08/2016</a:t>
             </a:fld>
             <a:endParaRPr lang="en-GB"/>
           </a:p>
@@ -2572,7 +2583,7 @@
           <a:p>
             <a:fld id="{88012532-EFDA-4494-AF15-13654E5B1450}" type="datetimeFigureOut">
               <a:rPr lang="en-GB" smtClean="0"/>
-              <a:t>02/08/2016</a:t>
+              <a:t>03/08/2016</a:t>
             </a:fld>
             <a:endParaRPr lang="en-GB"/>
           </a:p>
@@ -2993,10 +3004,10 @@
           <a:lstStyle/>
           <a:p>
             <a:r>
-              <a:rPr lang="en-GB" dirty="0" smtClean="0"/>
+              <a:rPr lang="en-GB" b="1" dirty="0" smtClean="0"/>
               <a:t>Scheme Intro</a:t>
             </a:r>
-            <a:endParaRPr lang="en-GB" dirty="0"/>
+            <a:endParaRPr lang="en-GB" b="1" dirty="0"/>
           </a:p>
         </p:txBody>
       </p:sp>
@@ -3033,6 +3044,13 @@
   <p:clrMapOvr>
     <a:masterClrMapping/>
   </p:clrMapOvr>
+  <p:timing>
+    <p:tnLst>
+      <p:par>
+        <p:cTn id="1" dur="indefinite" restart="never" nodeType="tmRoot"/>
+      </p:par>
+    </p:tnLst>
+  </p:timing>
 </p:sld>
 </file>
 
@@ -3069,140 +3087,71 @@
           <a:lstStyle/>
           <a:p>
             <a:r>
-              <a:rPr lang="en-GB" dirty="0" smtClean="0"/>
-              <a:t>Language Basics</a:t>
-            </a:r>
-            <a:endParaRPr lang="en-GB" dirty="0"/>
-          </a:p>
-        </p:txBody>
-      </p:sp>
-      <p:sp>
-        <p:nvSpPr>
-          <p:cNvPr id="3" name="Content Placeholder 2"/>
-          <p:cNvSpPr>
-            <a:spLocks noGrp="1"/>
-          </p:cNvSpPr>
-          <p:nvPr>
-            <p:ph idx="1"/>
-          </p:nvPr>
-        </p:nvSpPr>
-        <p:spPr/>
-        <p:txBody>
-          <a:bodyPr>
-            <a:normAutofit lnSpcReduction="10000"/>
-          </a:bodyPr>
-          <a:lstStyle/>
-          <a:p>
-            <a:r>
-              <a:rPr lang="en-GB" dirty="0" smtClean="0"/>
-              <a:t>Functional</a:t>
-            </a:r>
-          </a:p>
-          <a:p>
-            <a:pPr lvl="1"/>
-            <a:r>
-              <a:rPr lang="en-GB" dirty="0" smtClean="0">
-                <a:solidFill>
-                  <a:schemeClr val="accent6">
-                    <a:lumMod val="75000"/>
-                  </a:schemeClr>
-                </a:solidFill>
-              </a:rPr>
-              <a:t>First-class functions</a:t>
-            </a:r>
-          </a:p>
-          <a:p>
-            <a:pPr lvl="1"/>
-            <a:r>
-              <a:rPr lang="en-GB" dirty="0" smtClean="0">
-                <a:solidFill>
-                  <a:schemeClr val="accent6">
-                    <a:lumMod val="75000"/>
-                  </a:schemeClr>
-                </a:solidFill>
-              </a:rPr>
-              <a:t>Expression based</a:t>
-            </a:r>
-          </a:p>
-          <a:p>
-            <a:pPr lvl="1"/>
-            <a:r>
-              <a:rPr lang="en-GB" dirty="0" smtClean="0">
-                <a:solidFill>
-                  <a:schemeClr val="accent2">
-                    <a:lumMod val="75000"/>
-                  </a:schemeClr>
-                </a:solidFill>
-              </a:rPr>
-              <a:t>Not immutable</a:t>
-            </a:r>
-          </a:p>
-          <a:p>
-            <a:r>
-              <a:rPr lang="en-GB" dirty="0" smtClean="0"/>
-              <a:t>Dynamically typed</a:t>
-            </a:r>
-          </a:p>
-          <a:p>
-            <a:pPr lvl="1"/>
-            <a:r>
-              <a:rPr lang="en-GB" dirty="0" smtClean="0"/>
-              <a:t>Large type system (especially numbers)</a:t>
-            </a:r>
-          </a:p>
-          <a:p>
-            <a:pPr lvl="1"/>
-            <a:r>
-              <a:rPr lang="en-GB" dirty="0" smtClean="0"/>
-              <a:t>Enforced at run time</a:t>
-            </a:r>
-          </a:p>
-          <a:p>
-            <a:r>
-              <a:rPr lang="en-GB" dirty="0" err="1" smtClean="0"/>
-              <a:t>Homoiconic</a:t>
-            </a:r>
-            <a:endParaRPr lang="en-GB" dirty="0" smtClean="0"/>
-          </a:p>
-          <a:p>
-            <a:r>
-              <a:rPr lang="en-GB" dirty="0" smtClean="0"/>
-              <a:t>Heavy use of recursion &amp; continuations</a:t>
-            </a:r>
-          </a:p>
-          <a:p>
-            <a:pPr lvl="1"/>
-            <a:r>
-              <a:rPr lang="en-GB" dirty="0" smtClean="0"/>
-              <a:t>Tail call optimisation guaranteed</a:t>
-            </a:r>
-          </a:p>
-          <a:p>
-            <a:pPr lvl="1"/>
-            <a:endParaRPr lang="en-GB" dirty="0" smtClean="0"/>
-          </a:p>
-          <a:p>
-            <a:pPr lvl="1"/>
-            <a:endParaRPr lang="en-GB" dirty="0">
-              <a:solidFill>
-                <a:schemeClr val="accent2">
-                  <a:lumMod val="75000"/>
-                </a:schemeClr>
-              </a:solidFill>
-            </a:endParaRPr>
-          </a:p>
-        </p:txBody>
-      </p:sp>
+              <a:rPr lang="en-GB" b="1" dirty="0" smtClean="0"/>
+              <a:t>Parentheses</a:t>
+            </a:r>
+            <a:endParaRPr lang="en-GB" b="1" dirty="0"/>
+          </a:p>
+        </p:txBody>
+      </p:sp>
+      <p:pic>
+        <p:nvPicPr>
+          <p:cNvPr id="4098" name="Picture 2" descr="http://www.loper-os.org/wp-content/parphobia.png"/>
+          <p:cNvPicPr>
+            <a:picLocks noChangeAspect="1" noChangeArrowheads="1"/>
+          </p:cNvPicPr>
+          <p:nvPr/>
+        </p:nvPicPr>
+        <p:blipFill>
+          <a:blip r:embed="rId2">
+            <a:extLst>
+              <a:ext uri="{28A0092B-C50C-407E-A947-70E740481C1C}">
+                <a14:useLocalDpi xmlns:a14="http://schemas.microsoft.com/office/drawing/2010/main" val="0"/>
+              </a:ext>
+            </a:extLst>
+          </a:blip>
+          <a:srcRect/>
+          <a:stretch>
+            <a:fillRect/>
+          </a:stretch>
+        </p:blipFill>
+        <p:spPr bwMode="auto">
+          <a:xfrm>
+            <a:off x="2982751" y="1402641"/>
+            <a:ext cx="5396139" cy="5044405"/>
+          </a:xfrm>
+          <a:prstGeom prst="rect">
+            <a:avLst/>
+          </a:prstGeom>
+          <a:noFill/>
+          <a:extLst>
+            <a:ext uri="{909E8E84-426E-40DD-AFC4-6F175D3DCCD1}">
+              <a14:hiddenFill xmlns:a14="http://schemas.microsoft.com/office/drawing/2010/main">
+                <a:solidFill>
+                  <a:srgbClr val="FFFFFF"/>
+                </a:solidFill>
+              </a14:hiddenFill>
+            </a:ext>
+          </a:extLst>
+        </p:spPr>
+      </p:pic>
     </p:spTree>
     <p:extLst>
       <p:ext uri="{BB962C8B-B14F-4D97-AF65-F5344CB8AC3E}">
-        <p14:creationId xmlns:p14="http://schemas.microsoft.com/office/powerpoint/2010/main" val="3008729488"/>
+        <p14:creationId xmlns:p14="http://schemas.microsoft.com/office/powerpoint/2010/main" val="1166743845"/>
       </p:ext>
     </p:extLst>
   </p:cSld>
   <p:clrMapOvr>
     <a:masterClrMapping/>
   </p:clrMapOvr>
+  <p:timing>
+    <p:tnLst>
+      <p:par>
+        <p:cTn id="1" dur="indefinite" restart="never" nodeType="tmRoot"/>
+      </p:par>
+    </p:tnLst>
+  </p:timing>
 </p:sld>
 </file>
 
@@ -3239,14 +3188,10 @@
           <a:lstStyle/>
           <a:p>
             <a:r>
-              <a:rPr lang="en-GB" dirty="0" smtClean="0"/>
-              <a:t>Atoms, Lists &amp; </a:t>
-            </a:r>
-            <a:r>
-              <a:rPr lang="en-GB" dirty="0" err="1" smtClean="0"/>
-              <a:t>Homoiconicity</a:t>
-            </a:r>
-            <a:endParaRPr lang="en-GB" dirty="0"/>
+              <a:rPr lang="en-GB" b="1" dirty="0" smtClean="0"/>
+              <a:t>Random Quote #2</a:t>
+            </a:r>
+            <a:endParaRPr lang="en-GB" b="1" dirty="0"/>
           </a:p>
         </p:txBody>
       </p:sp>
@@ -3263,7 +3208,7 @@
         <p:spPr/>
         <p:txBody>
           <a:bodyPr>
-            <a:normAutofit fontScale="85000" lnSpcReduction="20000"/>
+            <a:normAutofit/>
           </a:bodyPr>
           <a:lstStyle/>
           <a:p>
@@ -3271,114 +3216,164 @@
               <a:buNone/>
             </a:pPr>
             <a:r>
-              <a:rPr lang="en-GB" b="1" dirty="0" smtClean="0"/>
-              <a:t>Atoms</a:t>
-            </a:r>
-          </a:p>
-          <a:p>
-            <a:pPr marL="0" indent="0">
-              <a:buNone/>
-            </a:pPr>
-            <a:r>
-              <a:rPr lang="en-GB" dirty="0" smtClean="0"/>
-              <a:t>1</a:t>
-            </a:r>
-          </a:p>
-          <a:p>
-            <a:pPr marL="0" indent="0">
-              <a:buNone/>
-            </a:pPr>
-            <a:r>
-              <a:rPr lang="en-GB" dirty="0" smtClean="0"/>
-              <a:t>“Hello”</a:t>
-            </a:r>
-          </a:p>
-          <a:p>
-            <a:pPr marL="0" indent="0">
-              <a:buNone/>
-            </a:pPr>
-            <a:endParaRPr lang="en-GB" dirty="0"/>
-          </a:p>
-          <a:p>
-            <a:pPr marL="0" indent="0">
-              <a:buNone/>
-            </a:pPr>
-            <a:r>
-              <a:rPr lang="en-GB" b="1" dirty="0" smtClean="0"/>
-              <a:t>Lists</a:t>
-            </a:r>
-          </a:p>
-          <a:p>
-            <a:pPr marL="0" indent="0">
-              <a:buNone/>
-            </a:pPr>
-            <a:r>
-              <a:rPr lang="en-GB" dirty="0" smtClean="0"/>
-              <a:t>(1 “Hello” #t)</a:t>
-            </a:r>
-          </a:p>
-          <a:p>
-            <a:pPr marL="0" indent="0">
-              <a:buNone/>
-            </a:pPr>
-            <a:r>
-              <a:rPr lang="en-GB" dirty="0" smtClean="0"/>
-              <a:t>(“hi” (1 2 3) mum 0.5))</a:t>
-            </a:r>
-          </a:p>
-          <a:p>
-            <a:pPr marL="0" indent="0">
-              <a:buNone/>
-            </a:pPr>
-            <a:endParaRPr lang="en-GB" dirty="0"/>
-          </a:p>
-          <a:p>
-            <a:pPr marL="0" indent="0">
-              <a:buNone/>
-            </a:pPr>
-            <a:r>
-              <a:rPr lang="en-GB" b="1" dirty="0" smtClean="0"/>
-              <a:t>Scheme Programs</a:t>
-            </a:r>
-          </a:p>
-          <a:p>
-            <a:pPr marL="0" indent="0">
-              <a:buNone/>
-            </a:pPr>
-            <a:r>
-              <a:rPr lang="en-GB" dirty="0" smtClean="0"/>
-              <a:t>(+ 1 2)</a:t>
-            </a:r>
-          </a:p>
-          <a:p>
-            <a:pPr marL="0" indent="0">
-              <a:buNone/>
-            </a:pPr>
-            <a:r>
-              <a:rPr lang="en-GB" dirty="0" smtClean="0"/>
-              <a:t>(if (</a:t>
-            </a:r>
-            <a:r>
-              <a:rPr lang="en-GB" dirty="0" err="1" smtClean="0"/>
-              <a:t>eq</a:t>
-            </a:r>
-            <a:r>
-              <a:rPr lang="en-GB" dirty="0" smtClean="0"/>
-              <a:t>? 1 2) “hello” 1)</a:t>
-            </a:r>
-          </a:p>
-        </p:txBody>
-      </p:sp>
+              <a:rPr lang="en-GB" sz="3600" dirty="0">
+                <a:solidFill>
+                  <a:schemeClr val="accent6">
+                    <a:lumMod val="50000"/>
+                  </a:schemeClr>
+                </a:solidFill>
+                <a:latin typeface="Consolas" panose="020B0609020204030204" pitchFamily="49" charset="0"/>
+                <a:cs typeface="Consolas" panose="020B0609020204030204" pitchFamily="49" charset="0"/>
+              </a:rPr>
+              <a:t>"Lisp has all the visual appeal of oatmeal with fingernail clippings mixed in."</a:t>
+            </a:r>
+            <a:r>
+              <a:rPr lang="en-GB" sz="3600" dirty="0" smtClean="0">
+                <a:solidFill>
+                  <a:schemeClr val="tx1">
+                    <a:lumMod val="65000"/>
+                    <a:lumOff val="35000"/>
+                  </a:schemeClr>
+                </a:solidFill>
+                <a:latin typeface="Consolas" panose="020B0609020204030204" pitchFamily="49" charset="0"/>
+                <a:cs typeface="Consolas" panose="020B0609020204030204" pitchFamily="49" charset="0"/>
+              </a:rPr>
+              <a:t/>
+            </a:r>
+            <a:br>
+              <a:rPr lang="en-GB" sz="3600" dirty="0" smtClean="0">
+                <a:solidFill>
+                  <a:schemeClr val="tx1">
+                    <a:lumMod val="65000"/>
+                    <a:lumOff val="35000"/>
+                  </a:schemeClr>
+                </a:solidFill>
+                <a:latin typeface="Consolas" panose="020B0609020204030204" pitchFamily="49" charset="0"/>
+                <a:cs typeface="Consolas" panose="020B0609020204030204" pitchFamily="49" charset="0"/>
+              </a:rPr>
+            </a:br>
+            <a:r>
+              <a:rPr lang="en-GB" sz="3600" dirty="0" smtClean="0">
+                <a:solidFill>
+                  <a:schemeClr val="tx1">
+                    <a:lumMod val="65000"/>
+                    <a:lumOff val="35000"/>
+                  </a:schemeClr>
+                </a:solidFill>
+                <a:latin typeface="Consolas" panose="020B0609020204030204" pitchFamily="49" charset="0"/>
+                <a:cs typeface="Consolas" panose="020B0609020204030204" pitchFamily="49" charset="0"/>
+              </a:rPr>
+              <a:t/>
+            </a:r>
+            <a:br>
+              <a:rPr lang="en-GB" sz="3600" dirty="0" smtClean="0">
+                <a:solidFill>
+                  <a:schemeClr val="tx1">
+                    <a:lumMod val="65000"/>
+                    <a:lumOff val="35000"/>
+                  </a:schemeClr>
+                </a:solidFill>
+                <a:latin typeface="Consolas" panose="020B0609020204030204" pitchFamily="49" charset="0"/>
+                <a:cs typeface="Consolas" panose="020B0609020204030204" pitchFamily="49" charset="0"/>
+              </a:rPr>
+            </a:br>
+            <a:r>
+              <a:rPr lang="en-GB" sz="3600" dirty="0">
+                <a:solidFill>
+                  <a:schemeClr val="tx1">
+                    <a:lumMod val="65000"/>
+                    <a:lumOff val="35000"/>
+                  </a:schemeClr>
+                </a:solidFill>
+                <a:latin typeface="Consolas" panose="020B0609020204030204" pitchFamily="49" charset="0"/>
+                <a:cs typeface="Consolas" panose="020B0609020204030204" pitchFamily="49" charset="0"/>
+              </a:rPr>
+              <a:t>- </a:t>
+            </a:r>
+            <a:r>
+              <a:rPr lang="en-GB" sz="3600" dirty="0" smtClean="0">
+                <a:solidFill>
+                  <a:schemeClr val="tx1">
+                    <a:lumMod val="65000"/>
+                    <a:lumOff val="35000"/>
+                  </a:schemeClr>
+                </a:solidFill>
+                <a:latin typeface="Consolas" panose="020B0609020204030204" pitchFamily="49" charset="0"/>
+                <a:cs typeface="Consolas" panose="020B0609020204030204" pitchFamily="49" charset="0"/>
+              </a:rPr>
+              <a:t>Larry Wall, creator of Perl(!)</a:t>
+            </a:r>
+            <a:endParaRPr lang="en-GB" sz="3600" dirty="0">
+              <a:solidFill>
+                <a:schemeClr val="tx1">
+                  <a:lumMod val="65000"/>
+                  <a:lumOff val="35000"/>
+                </a:schemeClr>
+              </a:solidFill>
+              <a:latin typeface="Consolas" panose="020B0609020204030204" pitchFamily="49" charset="0"/>
+              <a:cs typeface="Consolas" panose="020B0609020204030204" pitchFamily="49" charset="0"/>
+            </a:endParaRPr>
+          </a:p>
+        </p:txBody>
+      </p:sp>
+      <p:pic>
+        <p:nvPicPr>
+          <p:cNvPr id="1028" name="Picture 4" descr="http://www.spidereyeballs.com/os5/images/small/os5_r23_1542.jpg"/>
+          <p:cNvPicPr>
+            <a:picLocks noChangeAspect="1" noChangeArrowheads="1"/>
+          </p:cNvPicPr>
+          <p:nvPr/>
+        </p:nvPicPr>
+        <p:blipFill>
+          <a:blip r:embed="rId2">
+            <a:extLst>
+              <a:ext uri="{28A0092B-C50C-407E-A947-70E740481C1C}">
+                <a14:useLocalDpi xmlns:a14="http://schemas.microsoft.com/office/drawing/2010/main" val="0"/>
+              </a:ext>
+            </a:extLst>
+          </a:blip>
+          <a:srcRect/>
+          <a:stretch>
+            <a:fillRect/>
+          </a:stretch>
+        </p:blipFill>
+        <p:spPr bwMode="auto">
+          <a:xfrm>
+            <a:off x="9551502" y="3454400"/>
+            <a:ext cx="2076450" cy="2857500"/>
+          </a:xfrm>
+          <a:prstGeom prst="rect">
+            <a:avLst/>
+          </a:prstGeom>
+          <a:noFill/>
+          <a:extLst>
+            <a:ext uri="{909E8E84-426E-40DD-AFC4-6F175D3DCCD1}">
+              <a14:hiddenFill xmlns:a14="http://schemas.microsoft.com/office/drawing/2010/main">
+                <a:solidFill>
+                  <a:srgbClr val="FFFFFF"/>
+                </a:solidFill>
+              </a14:hiddenFill>
+            </a:ext>
+          </a:extLst>
+        </p:spPr>
+      </p:pic>
     </p:spTree>
     <p:extLst>
       <p:ext uri="{BB962C8B-B14F-4D97-AF65-F5344CB8AC3E}">
-        <p14:creationId xmlns:p14="http://schemas.microsoft.com/office/powerpoint/2010/main" val="640860125"/>
+        <p14:creationId xmlns:p14="http://schemas.microsoft.com/office/powerpoint/2010/main" val="4104321467"/>
       </p:ext>
     </p:extLst>
   </p:cSld>
   <p:clrMapOvr>
     <a:masterClrMapping/>
   </p:clrMapOvr>
+  <p:timing>
+    <p:tnLst>
+      <p:par>
+        <p:cTn id="1" dur="indefinite" restart="never" nodeType="tmRoot"/>
+      </p:par>
+    </p:tnLst>
+  </p:timing>
 </p:sld>
 </file>
 
@@ -3415,31 +3410,37 @@
           <a:lstStyle/>
           <a:p>
             <a:r>
+              <a:rPr lang="en-GB" b="1" dirty="0" smtClean="0"/>
+              <a:t>Language Basics</a:t>
+            </a:r>
+            <a:endParaRPr lang="en-GB" b="1" dirty="0"/>
+          </a:p>
+        </p:txBody>
+      </p:sp>
+      <p:sp>
+        <p:nvSpPr>
+          <p:cNvPr id="3" name="Content Placeholder 2"/>
+          <p:cNvSpPr>
+            <a:spLocks noGrp="1"/>
+          </p:cNvSpPr>
+          <p:nvPr>
+            <p:ph idx="1"/>
+          </p:nvPr>
+        </p:nvSpPr>
+        <p:spPr/>
+        <p:txBody>
+          <a:bodyPr>
+            <a:normAutofit lnSpcReduction="10000"/>
+          </a:bodyPr>
+          <a:lstStyle/>
+          <a:p>
+            <a:r>
               <a:rPr lang="en-GB" dirty="0" smtClean="0"/>
-              <a:t>Recursion</a:t>
-            </a:r>
-            <a:endParaRPr lang="en-GB" dirty="0"/>
-          </a:p>
-        </p:txBody>
-      </p:sp>
-      <p:sp>
-        <p:nvSpPr>
-          <p:cNvPr id="3" name="Content Placeholder 2"/>
-          <p:cNvSpPr>
-            <a:spLocks noGrp="1"/>
-          </p:cNvSpPr>
-          <p:nvPr>
-            <p:ph idx="1"/>
-          </p:nvPr>
-        </p:nvSpPr>
-        <p:spPr/>
-        <p:txBody>
-          <a:bodyPr/>
-          <a:lstStyle/>
-          <a:p>
-            <a:pPr marL="0" indent="0">
-              <a:buNone/>
-            </a:pPr>
+              <a:t>Functional</a:t>
+            </a:r>
+          </a:p>
+          <a:p>
+            <a:pPr lvl="1"/>
             <a:r>
               <a:rPr lang="en-GB" dirty="0" smtClean="0">
                 <a:solidFill>
@@ -3447,16 +3448,12 @@
                     <a:lumMod val="75000"/>
                   </a:schemeClr>
                 </a:solidFill>
-                <a:latin typeface="Consolas" panose="020B0609020204030204" pitchFamily="49" charset="0"/>
-                <a:cs typeface="Consolas" panose="020B0609020204030204" pitchFamily="49" charset="0"/>
-              </a:rPr>
-              <a:t>(define (contains? list item)</a:t>
-            </a:r>
-          </a:p>
-          <a:p>
-            <a:pPr marL="0" indent="0">
-              <a:buNone/>
-            </a:pPr>
+              </a:rPr>
+              <a:t>First-class functions</a:t>
+            </a:r>
+          </a:p>
+          <a:p>
+            <a:pPr lvl="1"/>
             <a:r>
               <a:rPr lang="en-GB" dirty="0" smtClean="0">
                 <a:solidFill>
@@ -3464,158 +3461,75 @@
                     <a:lumMod val="75000"/>
                   </a:schemeClr>
                 </a:solidFill>
-                <a:latin typeface="Consolas" panose="020B0609020204030204" pitchFamily="49" charset="0"/>
-                <a:cs typeface="Consolas" panose="020B0609020204030204" pitchFamily="49" charset="0"/>
-              </a:rPr>
-              <a:t>  (</a:t>
-            </a:r>
-            <a:r>
-              <a:rPr lang="en-GB" dirty="0" err="1" smtClean="0">
-                <a:solidFill>
-                  <a:schemeClr val="accent6">
+              </a:rPr>
+              <a:t>Expression based</a:t>
+            </a:r>
+          </a:p>
+          <a:p>
+            <a:pPr lvl="1"/>
+            <a:r>
+              <a:rPr lang="en-GB" dirty="0" smtClean="0">
+                <a:solidFill>
+                  <a:schemeClr val="accent2">
                     <a:lumMod val="75000"/>
                   </a:schemeClr>
                 </a:solidFill>
-                <a:latin typeface="Consolas" panose="020B0609020204030204" pitchFamily="49" charset="0"/>
-                <a:cs typeface="Consolas" panose="020B0609020204030204" pitchFamily="49" charset="0"/>
-              </a:rPr>
-              <a:t>cond</a:t>
-            </a:r>
-            <a:endParaRPr lang="en-GB" dirty="0" smtClean="0">
+              </a:rPr>
+              <a:t>Not immutable</a:t>
+            </a:r>
+          </a:p>
+          <a:p>
+            <a:r>
+              <a:rPr lang="en-GB" dirty="0" smtClean="0"/>
+              <a:t>Dynamically typed</a:t>
+            </a:r>
+          </a:p>
+          <a:p>
+            <a:pPr lvl="1"/>
+            <a:r>
+              <a:rPr lang="en-GB" dirty="0" smtClean="0"/>
+              <a:t>Large type system (especially numbers)</a:t>
+            </a:r>
+          </a:p>
+          <a:p>
+            <a:pPr lvl="1"/>
+            <a:r>
+              <a:rPr lang="en-GB" dirty="0" smtClean="0"/>
+              <a:t>Enforced at run time</a:t>
+            </a:r>
+          </a:p>
+          <a:p>
+            <a:r>
+              <a:rPr lang="en-GB" dirty="0" err="1" smtClean="0"/>
+              <a:t>Homoiconic</a:t>
+            </a:r>
+            <a:endParaRPr lang="en-GB" dirty="0" smtClean="0"/>
+          </a:p>
+          <a:p>
+            <a:r>
+              <a:rPr lang="en-GB" dirty="0" smtClean="0"/>
+              <a:t>Heavy use of recursion &amp; continuations</a:t>
+            </a:r>
+          </a:p>
+          <a:p>
+            <a:pPr lvl="1"/>
+            <a:r>
+              <a:rPr lang="en-GB" dirty="0" smtClean="0"/>
+              <a:t>Tail call optimisation guaranteed</a:t>
+            </a:r>
+          </a:p>
+          <a:p>
+            <a:pPr lvl="1"/>
+            <a:endParaRPr lang="en-GB" dirty="0" smtClean="0"/>
+          </a:p>
+          <a:p>
+            <a:pPr lvl="1"/>
+            <a:endParaRPr lang="en-GB" dirty="0">
               <a:solidFill>
-                <a:schemeClr val="accent6">
+                <a:schemeClr val="accent2">
                   <a:lumMod val="75000"/>
                 </a:schemeClr>
               </a:solidFill>
-              <a:latin typeface="Consolas" panose="020B0609020204030204" pitchFamily="49" charset="0"/>
-              <a:cs typeface="Consolas" panose="020B0609020204030204" pitchFamily="49" charset="0"/>
-            </a:endParaRPr>
-          </a:p>
-          <a:p>
-            <a:pPr marL="0" indent="0">
-              <a:buNone/>
-            </a:pPr>
-            <a:r>
-              <a:rPr lang="en-GB" dirty="0" smtClean="0">
-                <a:solidFill>
-                  <a:schemeClr val="accent6">
-                    <a:lumMod val="75000"/>
-                  </a:schemeClr>
-                </a:solidFill>
-                <a:latin typeface="Consolas" panose="020B0609020204030204" pitchFamily="49" charset="0"/>
-                <a:cs typeface="Consolas" panose="020B0609020204030204" pitchFamily="49" charset="0"/>
-              </a:rPr>
-              <a:t>    ((null? list) #f)</a:t>
-            </a:r>
-          </a:p>
-          <a:p>
-            <a:pPr marL="0" indent="0">
-              <a:buNone/>
-            </a:pPr>
-            <a:r>
-              <a:rPr lang="en-GB" dirty="0" smtClean="0">
-                <a:solidFill>
-                  <a:schemeClr val="accent6">
-                    <a:lumMod val="75000"/>
-                  </a:schemeClr>
-                </a:solidFill>
-                <a:latin typeface="Consolas" panose="020B0609020204030204" pitchFamily="49" charset="0"/>
-                <a:cs typeface="Consolas" panose="020B0609020204030204" pitchFamily="49" charset="0"/>
-              </a:rPr>
-              <a:t>    ((</a:t>
-            </a:r>
-            <a:r>
-              <a:rPr lang="en-GB" dirty="0" err="1" smtClean="0">
-                <a:solidFill>
-                  <a:schemeClr val="accent6">
-                    <a:lumMod val="75000"/>
-                  </a:schemeClr>
-                </a:solidFill>
-                <a:latin typeface="Consolas" panose="020B0609020204030204" pitchFamily="49" charset="0"/>
-                <a:cs typeface="Consolas" panose="020B0609020204030204" pitchFamily="49" charset="0"/>
-              </a:rPr>
-              <a:t>eqv</a:t>
-            </a:r>
-            <a:r>
-              <a:rPr lang="en-GB" dirty="0" smtClean="0">
-                <a:solidFill>
-                  <a:schemeClr val="accent6">
-                    <a:lumMod val="75000"/>
-                  </a:schemeClr>
-                </a:solidFill>
-                <a:latin typeface="Consolas" panose="020B0609020204030204" pitchFamily="49" charset="0"/>
-                <a:cs typeface="Consolas" panose="020B0609020204030204" pitchFamily="49" charset="0"/>
-              </a:rPr>
-              <a:t>? item (car list)) #t)</a:t>
-            </a:r>
-          </a:p>
-          <a:p>
-            <a:pPr marL="0" indent="0">
-              <a:buNone/>
-            </a:pPr>
-            <a:r>
-              <a:rPr lang="en-GB" dirty="0" smtClean="0">
-                <a:solidFill>
-                  <a:schemeClr val="accent6">
-                    <a:lumMod val="75000"/>
-                  </a:schemeClr>
-                </a:solidFill>
-                <a:latin typeface="Consolas" panose="020B0609020204030204" pitchFamily="49" charset="0"/>
-                <a:cs typeface="Consolas" panose="020B0609020204030204" pitchFamily="49" charset="0"/>
-              </a:rPr>
-              <a:t>    (else (contains? (</a:t>
-            </a:r>
-            <a:r>
-              <a:rPr lang="en-GB" dirty="0" err="1" smtClean="0">
-                <a:solidFill>
-                  <a:schemeClr val="accent6">
-                    <a:lumMod val="75000"/>
-                  </a:schemeClr>
-                </a:solidFill>
-                <a:latin typeface="Consolas" panose="020B0609020204030204" pitchFamily="49" charset="0"/>
-                <a:cs typeface="Consolas" panose="020B0609020204030204" pitchFamily="49" charset="0"/>
-              </a:rPr>
-              <a:t>cdr</a:t>
-            </a:r>
-            <a:r>
-              <a:rPr lang="en-GB" dirty="0" smtClean="0">
-                <a:solidFill>
-                  <a:schemeClr val="accent6">
-                    <a:lumMod val="75000"/>
-                  </a:schemeClr>
-                </a:solidFill>
-                <a:latin typeface="Consolas" panose="020B0609020204030204" pitchFamily="49" charset="0"/>
-                <a:cs typeface="Consolas" panose="020B0609020204030204" pitchFamily="49" charset="0"/>
-              </a:rPr>
-              <a:t> list) item))))</a:t>
-            </a:r>
-          </a:p>
-          <a:p>
-            <a:pPr marL="0" indent="0">
-              <a:buNone/>
-            </a:pPr>
-            <a:endParaRPr lang="en-GB" dirty="0">
-              <a:solidFill>
-                <a:schemeClr val="accent6">
-                  <a:lumMod val="75000"/>
-                </a:schemeClr>
-              </a:solidFill>
-              <a:latin typeface="Consolas" panose="020B0609020204030204" pitchFamily="49" charset="0"/>
-              <a:cs typeface="Consolas" panose="020B0609020204030204" pitchFamily="49" charset="0"/>
-            </a:endParaRPr>
-          </a:p>
-          <a:p>
-            <a:pPr marL="0" indent="0">
-              <a:buNone/>
-            </a:pPr>
-            <a:r>
-              <a:rPr lang="en-GB" dirty="0" smtClean="0">
-                <a:cs typeface="Consolas" panose="020B0609020204030204" pitchFamily="49" charset="0"/>
-              </a:rPr>
-              <a:t>Learn to love it..</a:t>
-            </a:r>
-            <a:endParaRPr lang="en-GB" dirty="0">
-              <a:cs typeface="Consolas" panose="020B0609020204030204" pitchFamily="49" charset="0"/>
             </a:endParaRPr>
           </a:p>
         </p:txBody>
@@ -3623,13 +3537,20 @@
     </p:spTree>
     <p:extLst>
       <p:ext uri="{BB962C8B-B14F-4D97-AF65-F5344CB8AC3E}">
-        <p14:creationId xmlns:p14="http://schemas.microsoft.com/office/powerpoint/2010/main" val="2431419492"/>
+        <p14:creationId xmlns:p14="http://schemas.microsoft.com/office/powerpoint/2010/main" val="3008729488"/>
       </p:ext>
     </p:extLst>
   </p:cSld>
   <p:clrMapOvr>
     <a:masterClrMapping/>
   </p:clrMapOvr>
+  <p:timing>
+    <p:tnLst>
+      <p:par>
+        <p:cTn id="1" dur="indefinite" restart="never" nodeType="tmRoot"/>
+      </p:par>
+    </p:tnLst>
+  </p:timing>
 </p:sld>
 </file>
 
@@ -3666,73 +3587,232 @@
           <a:lstStyle/>
           <a:p>
             <a:r>
+              <a:rPr lang="en-GB" b="1" dirty="0" smtClean="0"/>
+              <a:t>Atoms, Lists &amp; </a:t>
+            </a:r>
+            <a:r>
+              <a:rPr lang="en-GB" b="1" dirty="0" err="1" smtClean="0"/>
+              <a:t>Homoiconicity</a:t>
+            </a:r>
+            <a:endParaRPr lang="en-GB" b="1" dirty="0"/>
+          </a:p>
+        </p:txBody>
+      </p:sp>
+      <p:sp>
+        <p:nvSpPr>
+          <p:cNvPr id="3" name="Content Placeholder 2"/>
+          <p:cNvSpPr>
+            <a:spLocks noGrp="1"/>
+          </p:cNvSpPr>
+          <p:nvPr>
+            <p:ph idx="1"/>
+          </p:nvPr>
+        </p:nvSpPr>
+        <p:spPr>
+          <a:xfrm>
+            <a:off x="2239346" y="1825625"/>
+            <a:ext cx="9114453" cy="4351338"/>
+          </a:xfrm>
+        </p:spPr>
+        <p:txBody>
+          <a:bodyPr>
+            <a:normAutofit fontScale="85000" lnSpcReduction="20000"/>
+          </a:bodyPr>
+          <a:lstStyle/>
+          <a:p>
+            <a:pPr marL="0" indent="0">
+              <a:buNone/>
+            </a:pPr>
+            <a:r>
+              <a:rPr lang="en-GB" b="1" dirty="0" smtClean="0"/>
+              <a:t>Atoms</a:t>
+            </a:r>
+          </a:p>
+          <a:p>
+            <a:pPr marL="0" indent="0">
+              <a:buNone/>
+            </a:pPr>
+            <a:r>
               <a:rPr lang="en-GB" dirty="0" smtClean="0"/>
-              <a:t>Why?</a:t>
-            </a:r>
+              <a:t>1</a:t>
+            </a:r>
+          </a:p>
+          <a:p>
+            <a:pPr marL="0" indent="0">
+              <a:buNone/>
+            </a:pPr>
+            <a:r>
+              <a:rPr lang="en-GB" dirty="0" smtClean="0"/>
+              <a:t>“Hello”</a:t>
+            </a:r>
+          </a:p>
+          <a:p>
+            <a:pPr marL="0" indent="0">
+              <a:buNone/>
+            </a:pPr>
             <a:endParaRPr lang="en-GB" dirty="0"/>
           </a:p>
-        </p:txBody>
-      </p:sp>
-      <p:sp>
-        <p:nvSpPr>
-          <p:cNvPr id="3" name="Content Placeholder 2"/>
-          <p:cNvSpPr>
-            <a:spLocks noGrp="1"/>
-          </p:cNvSpPr>
-          <p:nvPr>
-            <p:ph idx="1"/>
-          </p:nvPr>
-        </p:nvSpPr>
-        <p:spPr/>
-        <p:txBody>
-          <a:bodyPr/>
-          <a:lstStyle/>
-          <a:p>
+          <a:p>
+            <a:pPr marL="0" indent="0">
+              <a:buNone/>
+            </a:pPr>
+            <a:r>
+              <a:rPr lang="en-GB" b="1" dirty="0" smtClean="0"/>
+              <a:t>Lists</a:t>
+            </a:r>
+          </a:p>
+          <a:p>
+            <a:pPr marL="0" indent="0">
+              <a:buNone/>
+            </a:pPr>
             <a:r>
               <a:rPr lang="en-GB" dirty="0" smtClean="0"/>
-              <a:t>Still popular – </a:t>
+              <a:t>‘(1 “Hello” #t)</a:t>
+            </a:r>
+          </a:p>
+          <a:p>
+            <a:pPr marL="0" indent="0">
+              <a:buNone/>
+            </a:pPr>
+            <a:r>
+              <a:rPr lang="en-GB" dirty="0" smtClean="0"/>
+              <a:t>‘(“hi” (1 2 3) mum 0.5))</a:t>
+            </a:r>
+          </a:p>
+          <a:p>
+            <a:pPr marL="0" indent="0">
+              <a:buNone/>
+            </a:pPr>
+            <a:endParaRPr lang="en-GB" dirty="0"/>
+          </a:p>
+          <a:p>
+            <a:pPr marL="0" indent="0">
+              <a:buNone/>
+            </a:pPr>
+            <a:r>
+              <a:rPr lang="en-GB" b="1" dirty="0" smtClean="0"/>
+              <a:t>Scheme Programs</a:t>
+            </a:r>
+          </a:p>
+          <a:p>
+            <a:pPr marL="0" indent="0">
+              <a:buNone/>
+            </a:pPr>
+            <a:r>
+              <a:rPr lang="en-GB" dirty="0" smtClean="0"/>
+              <a:t>(+ 1 2)</a:t>
+            </a:r>
+          </a:p>
+          <a:p>
+            <a:pPr marL="0" indent="0">
+              <a:buNone/>
+            </a:pPr>
+            <a:r>
+              <a:rPr lang="en-GB" dirty="0" smtClean="0"/>
+              <a:t>(if (</a:t>
             </a:r>
             <a:r>
               <a:rPr lang="en-GB" dirty="0" err="1" smtClean="0"/>
-              <a:t>Clojure</a:t>
+              <a:t>eq</a:t>
             </a:r>
             <a:r>
               <a:rPr lang="en-GB" dirty="0" smtClean="0"/>
-              <a:t>, Racket, etc.</a:t>
-            </a:r>
-          </a:p>
-          <a:p>
-            <a:r>
-              <a:rPr lang="en-GB" dirty="0" smtClean="0"/>
-              <a:t>Good learning/teaching </a:t>
-            </a:r>
-            <a:r>
-              <a:rPr lang="en-GB" dirty="0" err="1" smtClean="0"/>
-              <a:t>lang</a:t>
-            </a:r>
-            <a:endParaRPr lang="en-GB" dirty="0" smtClean="0"/>
-          </a:p>
-          <a:p>
-            <a:r>
-              <a:rPr lang="en-GB" dirty="0" smtClean="0"/>
-              <a:t>It’s awesome</a:t>
-            </a:r>
-          </a:p>
-          <a:p>
-            <a:endParaRPr lang="en-GB" dirty="0"/>
-          </a:p>
-        </p:txBody>
-      </p:sp>
+              <a:t>? 1 2) “hello” 1)</a:t>
+            </a:r>
+          </a:p>
+        </p:txBody>
+      </p:sp>
+      <p:sp>
+        <p:nvSpPr>
+          <p:cNvPr id="4" name="TextBox 3"/>
+          <p:cNvSpPr txBox="1"/>
+          <p:nvPr/>
+        </p:nvSpPr>
+        <p:spPr>
+          <a:xfrm>
+            <a:off x="214604" y="4474582"/>
+            <a:ext cx="1949957" cy="338554"/>
+          </a:xfrm>
+          <a:prstGeom prst="rect">
+            <a:avLst/>
+          </a:prstGeom>
+          <a:noFill/>
+        </p:spPr>
+        <p:txBody>
+          <a:bodyPr wrap="none" rtlCol="0">
+            <a:spAutoFit/>
+          </a:bodyPr>
+          <a:lstStyle/>
+          <a:p>
+            <a:r>
+              <a:rPr lang="en-GB" sz="1600" dirty="0" smtClean="0">
+                <a:solidFill>
+                  <a:srgbClr val="C00000"/>
+                </a:solidFill>
+              </a:rPr>
+              <a:t>Small but important..</a:t>
+            </a:r>
+            <a:endParaRPr lang="en-GB" sz="1600" dirty="0">
+              <a:solidFill>
+                <a:srgbClr val="C00000"/>
+              </a:solidFill>
+            </a:endParaRPr>
+          </a:p>
+        </p:txBody>
+      </p:sp>
+      <p:cxnSp>
+        <p:nvCxnSpPr>
+          <p:cNvPr id="6" name="Straight Arrow Connector 5"/>
+          <p:cNvCxnSpPr/>
+          <p:nvPr/>
+        </p:nvCxnSpPr>
+        <p:spPr>
+          <a:xfrm flipV="1">
+            <a:off x="1698171" y="4198776"/>
+            <a:ext cx="625151" cy="275806"/>
+          </a:xfrm>
+          <a:prstGeom prst="straightConnector1">
+            <a:avLst/>
+          </a:prstGeom>
+          <a:ln w="25400">
+            <a:solidFill>
+              <a:srgbClr val="C00000"/>
+            </a:solidFill>
+            <a:tailEnd type="triangle"/>
+          </a:ln>
+        </p:spPr>
+        <p:style>
+          <a:lnRef idx="1">
+            <a:schemeClr val="accent1"/>
+          </a:lnRef>
+          <a:fillRef idx="0">
+            <a:schemeClr val="accent1"/>
+          </a:fillRef>
+          <a:effectRef idx="0">
+            <a:schemeClr val="accent1"/>
+          </a:effectRef>
+          <a:fontRef idx="minor">
+            <a:schemeClr val="tx1"/>
+          </a:fontRef>
+        </p:style>
+      </p:cxnSp>
     </p:spTree>
     <p:extLst>
       <p:ext uri="{BB962C8B-B14F-4D97-AF65-F5344CB8AC3E}">
-        <p14:creationId xmlns:p14="http://schemas.microsoft.com/office/powerpoint/2010/main" val="2306002447"/>
+        <p14:creationId xmlns:p14="http://schemas.microsoft.com/office/powerpoint/2010/main" val="640860125"/>
       </p:ext>
     </p:extLst>
   </p:cSld>
   <p:clrMapOvr>
     <a:masterClrMapping/>
   </p:clrMapOvr>
+  <p:timing>
+    <p:tnLst>
+      <p:par>
+        <p:cTn id="1" dur="indefinite" restart="never" nodeType="tmRoot"/>
+      </p:par>
+    </p:tnLst>
+  </p:timing>
 </p:sld>
 </file>
 
@@ -3769,10 +3849,192 @@
           <a:lstStyle/>
           <a:p>
             <a:r>
+              <a:rPr lang="en-GB" b="1" dirty="0" smtClean="0"/>
+              <a:t>Macros</a:t>
+            </a:r>
+            <a:endParaRPr lang="en-GB" b="1" dirty="0"/>
+          </a:p>
+        </p:txBody>
+      </p:sp>
+      <p:sp>
+        <p:nvSpPr>
+          <p:cNvPr id="3" name="Content Placeholder 2"/>
+          <p:cNvSpPr>
+            <a:spLocks noGrp="1"/>
+          </p:cNvSpPr>
+          <p:nvPr>
+            <p:ph idx="1"/>
+          </p:nvPr>
+        </p:nvSpPr>
+        <p:spPr/>
+        <p:txBody>
+          <a:bodyPr/>
+          <a:lstStyle/>
+          <a:p>
+            <a:r>
               <a:rPr lang="en-GB" dirty="0" smtClean="0"/>
-              <a:t>Random Quote #2</a:t>
-            </a:r>
+              <a:t>Allow you to define new language constructs and modify code without restriction</a:t>
+            </a:r>
+          </a:p>
+          <a:p>
+            <a:endParaRPr lang="en-GB" dirty="0" smtClean="0"/>
+          </a:p>
+          <a:p>
             <a:endParaRPr lang="en-GB" dirty="0"/>
+          </a:p>
+          <a:p>
+            <a:pPr marL="0" indent="0">
+              <a:buNone/>
+            </a:pPr>
+            <a:endParaRPr lang="en-GB" dirty="0" smtClean="0"/>
+          </a:p>
+        </p:txBody>
+      </p:sp>
+      <p:pic>
+        <p:nvPicPr>
+          <p:cNvPr id="5" name="Picture 4"/>
+          <p:cNvPicPr>
+            <a:picLocks noChangeAspect="1"/>
+          </p:cNvPicPr>
+          <p:nvPr/>
+        </p:nvPicPr>
+        <p:blipFill>
+          <a:blip r:embed="rId2"/>
+          <a:stretch>
+            <a:fillRect/>
+          </a:stretch>
+        </p:blipFill>
+        <p:spPr>
+          <a:xfrm>
+            <a:off x="4133576" y="2676420"/>
+            <a:ext cx="3924848" cy="1505160"/>
+          </a:xfrm>
+          <a:prstGeom prst="rect">
+            <a:avLst/>
+          </a:prstGeom>
+        </p:spPr>
+      </p:pic>
+      <p:pic>
+        <p:nvPicPr>
+          <p:cNvPr id="6" name="Picture 5"/>
+          <p:cNvPicPr>
+            <a:picLocks noChangeAspect="1"/>
+          </p:cNvPicPr>
+          <p:nvPr/>
+        </p:nvPicPr>
+        <p:blipFill>
+          <a:blip r:embed="rId3"/>
+          <a:stretch>
+            <a:fillRect/>
+          </a:stretch>
+        </p:blipFill>
+        <p:spPr>
+          <a:xfrm>
+            <a:off x="4076418" y="4967119"/>
+            <a:ext cx="3982006" cy="1209844"/>
+          </a:xfrm>
+          <a:prstGeom prst="rect">
+            <a:avLst/>
+          </a:prstGeom>
+        </p:spPr>
+      </p:pic>
+      <p:sp>
+        <p:nvSpPr>
+          <p:cNvPr id="7" name="Down Arrow 6"/>
+          <p:cNvSpPr/>
+          <p:nvPr/>
+        </p:nvSpPr>
+        <p:spPr>
+          <a:xfrm>
+            <a:off x="5542383" y="4275770"/>
+            <a:ext cx="634481" cy="597159"/>
+          </a:xfrm>
+          <a:prstGeom prst="downArrow">
+            <a:avLst/>
+          </a:prstGeom>
+        </p:spPr>
+        <p:style>
+          <a:lnRef idx="2">
+            <a:schemeClr val="accent1">
+              <a:shade val="50000"/>
+            </a:schemeClr>
+          </a:lnRef>
+          <a:fillRef idx="1">
+            <a:schemeClr val="accent1"/>
+          </a:fillRef>
+          <a:effectRef idx="0">
+            <a:schemeClr val="accent1"/>
+          </a:effectRef>
+          <a:fontRef idx="minor">
+            <a:schemeClr val="lt1"/>
+          </a:fontRef>
+        </p:style>
+        <p:txBody>
+          <a:bodyPr rtlCol="0" anchor="ctr"/>
+          <a:lstStyle/>
+          <a:p>
+            <a:pPr algn="ctr"/>
+            <a:endParaRPr lang="en-GB"/>
+          </a:p>
+        </p:txBody>
+      </p:sp>
+    </p:spTree>
+    <p:extLst>
+      <p:ext uri="{BB962C8B-B14F-4D97-AF65-F5344CB8AC3E}">
+        <p14:creationId xmlns:p14="http://schemas.microsoft.com/office/powerpoint/2010/main" val="2037588678"/>
+      </p:ext>
+    </p:extLst>
+  </p:cSld>
+  <p:clrMapOvr>
+    <a:masterClrMapping/>
+  </p:clrMapOvr>
+  <p:timing>
+    <p:tnLst>
+      <p:par>
+        <p:cTn id="1" dur="indefinite" restart="never" nodeType="tmRoot"/>
+      </p:par>
+    </p:tnLst>
+  </p:timing>
+</p:sld>
+</file>
+
+<file path=ppt/slides/slide15.xml><?xml version="1.0" encoding="utf-8"?>
+<p:sld xmlns:a="http://schemas.openxmlformats.org/drawingml/2006/main" xmlns:r="http://schemas.openxmlformats.org/officeDocument/2006/relationships" xmlns:p="http://schemas.openxmlformats.org/presentationml/2006/main">
+  <p:cSld>
+    <p:spTree>
+      <p:nvGrpSpPr>
+        <p:cNvPr id="1" name=""/>
+        <p:cNvGrpSpPr/>
+        <p:nvPr/>
+      </p:nvGrpSpPr>
+      <p:grpSpPr>
+        <a:xfrm>
+          <a:off x="0" y="0"/>
+          <a:ext cx="0" cy="0"/>
+          <a:chOff x="0" y="0"/>
+          <a:chExt cx="0" cy="0"/>
+        </a:xfrm>
+      </p:grpSpPr>
+      <p:sp>
+        <p:nvSpPr>
+          <p:cNvPr id="2" name="Title 1"/>
+          <p:cNvSpPr>
+            <a:spLocks noGrp="1"/>
+          </p:cNvSpPr>
+          <p:nvPr>
+            <p:ph type="title"/>
+          </p:nvPr>
+        </p:nvSpPr>
+        <p:spPr/>
+        <p:txBody>
+          <a:bodyPr/>
+          <a:lstStyle/>
+          <a:p>
+            <a:r>
+              <a:rPr lang="en-GB" b="1" dirty="0" smtClean="0"/>
+              <a:t>Random Quote #3</a:t>
+            </a:r>
+            <a:endParaRPr lang="en-GB" b="1" dirty="0"/>
           </a:p>
         </p:txBody>
       </p:sp>
@@ -3797,7 +4059,7 @@
               <a:buNone/>
             </a:pPr>
             <a:r>
-              <a:rPr lang="en-GB" sz="3600" dirty="0" smtClean="0">
+              <a:rPr lang="en-GB" sz="3600" dirty="0">
                 <a:solidFill>
                   <a:schemeClr val="accent6">
                     <a:lumMod val="50000"/>
@@ -3806,39 +4068,7 @@
                 <a:latin typeface="Consolas" panose="020B0609020204030204" pitchFamily="49" charset="0"/>
                 <a:cs typeface="Consolas" panose="020B0609020204030204" pitchFamily="49" charset="0"/>
               </a:rPr>
-              <a:t>"</a:t>
-            </a:r>
-            <a:r>
-              <a:rPr lang="en-GB" sz="3600" dirty="0">
-                <a:solidFill>
-                  <a:schemeClr val="accent6">
-                    <a:lumMod val="50000"/>
-                  </a:schemeClr>
-                </a:solidFill>
-              </a:rPr>
-              <a:t>Lisp is worth learning for the profound enlightenment experience you will have when you finally get it; that experience will make you a better programmer for the rest of your days, even if you never actually use </a:t>
-            </a:r>
-            <a:r>
-              <a:rPr lang="en-GB" sz="3600" dirty="0" smtClean="0">
-                <a:solidFill>
-                  <a:schemeClr val="accent6">
-                    <a:lumMod val="50000"/>
-                  </a:schemeClr>
-                </a:solidFill>
-              </a:rPr>
-              <a:t>Lisp</a:t>
-            </a:r>
-            <a:r>
-              <a:rPr lang="en-GB" sz="3600" dirty="0" smtClean="0">
-                <a:solidFill>
-                  <a:schemeClr val="accent6">
-                    <a:lumMod val="50000"/>
-                  </a:schemeClr>
-                </a:solidFill>
-                <a:latin typeface="Consolas" panose="020B0609020204030204" pitchFamily="49" charset="0"/>
-                <a:cs typeface="Consolas" panose="020B0609020204030204" pitchFamily="49" charset="0"/>
-              </a:rPr>
-              <a:t>"</a:t>
+              <a:t>"Lisp isn't a language, it's a building material."</a:t>
             </a:r>
             <a:r>
               <a:rPr lang="en-GB" sz="3600" dirty="0" smtClean="0">
@@ -3898,8 +4128,23 @@
                     <a:lumOff val="35000"/>
                   </a:schemeClr>
                 </a:solidFill>
-              </a:rPr>
-              <a:t>- Eric Raymond, "How to Become a Hacker"</a:t>
+                <a:latin typeface="Consolas" panose="020B0609020204030204" pitchFamily="49" charset="0"/>
+                <a:cs typeface="Consolas" panose="020B0609020204030204" pitchFamily="49" charset="0"/>
+              </a:rPr>
+              <a:t>- Alan </a:t>
+            </a:r>
+            <a:r>
+              <a:rPr lang="en-GB" sz="3600" dirty="0" smtClean="0">
+                <a:solidFill>
+                  <a:schemeClr val="tx1">
+                    <a:lumMod val="65000"/>
+                    <a:lumOff val="35000"/>
+                  </a:schemeClr>
+                </a:solidFill>
+                <a:latin typeface="Consolas" panose="020B0609020204030204" pitchFamily="49" charset="0"/>
+                <a:cs typeface="Consolas" panose="020B0609020204030204" pitchFamily="49" charset="0"/>
+              </a:rPr>
+              <a:t>Kay</a:t>
             </a:r>
             <a:endParaRPr lang="en-GB" sz="3600" dirty="0">
               <a:solidFill>
@@ -3916,7 +4161,7 @@
       </p:sp>
       <p:pic>
         <p:nvPicPr>
-          <p:cNvPr id="5122" name="Picture 2" descr="http://openprojectblog.files.wordpress.com/2012/12/eric-s-raymond-2.jpg"/>
+          <p:cNvPr id="4100" name="Picture 4" descr="http://www.sis.pitt.edu/mbsclass/hall_of_fame/images/kay.gif"/>
           <p:cNvPicPr>
             <a:picLocks noChangeAspect="1" noChangeArrowheads="1"/>
           </p:cNvPicPr>
@@ -3937,8 +4182,8 @@
         </p:blipFill>
         <p:spPr bwMode="auto">
           <a:xfrm>
-            <a:off x="10120669" y="4710112"/>
-            <a:ext cx="1601788" cy="1601788"/>
+            <a:off x="9962048" y="4398444"/>
+            <a:ext cx="1504950" cy="1685926"/>
           </a:xfrm>
           <a:prstGeom prst="rect">
             <a:avLst/>
@@ -3958,7 +4203,1368 @@
     </p:spTree>
     <p:extLst>
       <p:ext uri="{BB962C8B-B14F-4D97-AF65-F5344CB8AC3E}">
-        <p14:creationId xmlns:p14="http://schemas.microsoft.com/office/powerpoint/2010/main" val="2197680828"/>
+        <p14:creationId xmlns:p14="http://schemas.microsoft.com/office/powerpoint/2010/main" val="3252121876"/>
+      </p:ext>
+    </p:extLst>
+  </p:cSld>
+  <p:clrMapOvr>
+    <a:masterClrMapping/>
+  </p:clrMapOvr>
+  <p:timing>
+    <p:tnLst>
+      <p:par>
+        <p:cTn id="1" dur="indefinite" restart="never" nodeType="tmRoot"/>
+      </p:par>
+    </p:tnLst>
+  </p:timing>
+</p:sld>
+</file>
+
+<file path=ppt/slides/slide16.xml><?xml version="1.0" encoding="utf-8"?>
+<p:sld xmlns:a="http://schemas.openxmlformats.org/drawingml/2006/main" xmlns:r="http://schemas.openxmlformats.org/officeDocument/2006/relationships" xmlns:p="http://schemas.openxmlformats.org/presentationml/2006/main">
+  <p:cSld>
+    <p:spTree>
+      <p:nvGrpSpPr>
+        <p:cNvPr id="1" name=""/>
+        <p:cNvGrpSpPr/>
+        <p:nvPr/>
+      </p:nvGrpSpPr>
+      <p:grpSpPr>
+        <a:xfrm>
+          <a:off x="0" y="0"/>
+          <a:ext cx="0" cy="0"/>
+          <a:chOff x="0" y="0"/>
+          <a:chExt cx="0" cy="0"/>
+        </a:xfrm>
+      </p:grpSpPr>
+      <p:sp>
+        <p:nvSpPr>
+          <p:cNvPr id="2" name="Title 1"/>
+          <p:cNvSpPr>
+            <a:spLocks noGrp="1"/>
+          </p:cNvSpPr>
+          <p:nvPr>
+            <p:ph type="title"/>
+          </p:nvPr>
+        </p:nvSpPr>
+        <p:spPr>
+          <a:xfrm>
+            <a:off x="838200" y="859266"/>
+            <a:ext cx="5709231" cy="831422"/>
+          </a:xfrm>
+        </p:spPr>
+        <p:txBody>
+          <a:bodyPr>
+            <a:normAutofit/>
+          </a:bodyPr>
+          <a:lstStyle/>
+          <a:p>
+            <a:r>
+              <a:rPr lang="en-GB" b="1" dirty="0" smtClean="0"/>
+              <a:t>Lists – Recursive</a:t>
+            </a:r>
+            <a:endParaRPr lang="en-GB" b="1" dirty="0"/>
+          </a:p>
+        </p:txBody>
+      </p:sp>
+      <p:sp>
+        <p:nvSpPr>
+          <p:cNvPr id="3" name="Content Placeholder 2"/>
+          <p:cNvSpPr>
+            <a:spLocks noGrp="1"/>
+          </p:cNvSpPr>
+          <p:nvPr>
+            <p:ph idx="1"/>
+          </p:nvPr>
+        </p:nvSpPr>
+        <p:spPr>
+          <a:xfrm>
+            <a:off x="838200" y="1809150"/>
+            <a:ext cx="9114453" cy="4351338"/>
+          </a:xfrm>
+        </p:spPr>
+        <p:txBody>
+          <a:bodyPr>
+            <a:normAutofit/>
+          </a:bodyPr>
+          <a:lstStyle/>
+          <a:p>
+            <a:r>
+              <a:rPr lang="en-GB" dirty="0" smtClean="0"/>
+              <a:t>Scheme lists are a recursive data structure</a:t>
+            </a:r>
+          </a:p>
+          <a:p>
+            <a:r>
+              <a:rPr lang="en-GB" dirty="0" smtClean="0"/>
+              <a:t>(H e l </a:t>
+            </a:r>
+            <a:r>
+              <a:rPr lang="en-GB" dirty="0" err="1" smtClean="0"/>
+              <a:t>l</a:t>
+            </a:r>
+            <a:r>
+              <a:rPr lang="en-GB" dirty="0" smtClean="0"/>
+              <a:t> o):</a:t>
+            </a:r>
+          </a:p>
+          <a:p>
+            <a:endParaRPr lang="en-GB" dirty="0"/>
+          </a:p>
+          <a:p>
+            <a:endParaRPr lang="en-GB" dirty="0" smtClean="0"/>
+          </a:p>
+          <a:p>
+            <a:endParaRPr lang="en-GB" dirty="0"/>
+          </a:p>
+          <a:p>
+            <a:endParaRPr lang="en-GB" dirty="0" smtClean="0"/>
+          </a:p>
+          <a:p>
+            <a:r>
+              <a:rPr lang="en-GB" dirty="0" smtClean="0"/>
+              <a:t>Actual form: (H (e (l (l (o ‘())))))</a:t>
+            </a:r>
+            <a:endParaRPr lang="en-GB" dirty="0"/>
+          </a:p>
+          <a:p>
+            <a:endParaRPr lang="en-GB" dirty="0" smtClean="0"/>
+          </a:p>
+        </p:txBody>
+      </p:sp>
+      <p:pic>
+        <p:nvPicPr>
+          <p:cNvPr id="1026" name="Picture 2" descr="https://taylodl.files.wordpress.com/2013/07/cons_hello.png?w=494&amp;h=481"/>
+          <p:cNvPicPr>
+            <a:picLocks noChangeAspect="1" noChangeArrowheads="1"/>
+          </p:cNvPicPr>
+          <p:nvPr/>
+        </p:nvPicPr>
+        <p:blipFill>
+          <a:blip r:embed="rId2">
+            <a:extLst>
+              <a:ext uri="{28A0092B-C50C-407E-A947-70E740481C1C}">
+                <a14:useLocalDpi xmlns:a14="http://schemas.microsoft.com/office/drawing/2010/main" val="0"/>
+              </a:ext>
+            </a:extLst>
+          </a:blip>
+          <a:srcRect/>
+          <a:stretch>
+            <a:fillRect/>
+          </a:stretch>
+        </p:blipFill>
+        <p:spPr bwMode="auto">
+          <a:xfrm>
+            <a:off x="3692815" y="2383247"/>
+            <a:ext cx="2396023" cy="2332970"/>
+          </a:xfrm>
+          <a:prstGeom prst="rect">
+            <a:avLst/>
+          </a:prstGeom>
+          <a:noFill/>
+          <a:extLst>
+            <a:ext uri="{909E8E84-426E-40DD-AFC4-6F175D3DCCD1}">
+              <a14:hiddenFill xmlns:a14="http://schemas.microsoft.com/office/drawing/2010/main">
+                <a:solidFill>
+                  <a:srgbClr val="FFFFFF"/>
+                </a:solidFill>
+              </a14:hiddenFill>
+            </a:ext>
+          </a:extLst>
+        </p:spPr>
+      </p:pic>
+      <p:sp>
+        <p:nvSpPr>
+          <p:cNvPr id="5" name="TextBox 4"/>
+          <p:cNvSpPr txBox="1"/>
+          <p:nvPr/>
+        </p:nvSpPr>
+        <p:spPr>
+          <a:xfrm>
+            <a:off x="4407243" y="5659394"/>
+            <a:ext cx="1106008" cy="369332"/>
+          </a:xfrm>
+          <a:prstGeom prst="rect">
+            <a:avLst/>
+          </a:prstGeom>
+          <a:noFill/>
+        </p:spPr>
+        <p:txBody>
+          <a:bodyPr wrap="none" rtlCol="0">
+            <a:spAutoFit/>
+          </a:bodyPr>
+          <a:lstStyle/>
+          <a:p>
+            <a:r>
+              <a:rPr lang="en-GB" dirty="0" smtClean="0">
+                <a:solidFill>
+                  <a:srgbClr val="C00000"/>
+                </a:solidFill>
+              </a:rPr>
+              <a:t>Empty list</a:t>
+            </a:r>
+            <a:endParaRPr lang="en-GB" dirty="0">
+              <a:solidFill>
+                <a:srgbClr val="C00000"/>
+              </a:solidFill>
+            </a:endParaRPr>
+          </a:p>
+        </p:txBody>
+      </p:sp>
+      <p:cxnSp>
+        <p:nvCxnSpPr>
+          <p:cNvPr id="8" name="Straight Arrow Connector 7"/>
+          <p:cNvCxnSpPr/>
+          <p:nvPr/>
+        </p:nvCxnSpPr>
+        <p:spPr>
+          <a:xfrm flipH="1" flipV="1">
+            <a:off x="4890826" y="5290314"/>
+            <a:ext cx="68352" cy="360843"/>
+          </a:xfrm>
+          <a:prstGeom prst="straightConnector1">
+            <a:avLst/>
+          </a:prstGeom>
+          <a:ln w="25400">
+            <a:solidFill>
+              <a:srgbClr val="C00000"/>
+            </a:solidFill>
+            <a:tailEnd type="triangle"/>
+          </a:ln>
+        </p:spPr>
+        <p:style>
+          <a:lnRef idx="1">
+            <a:schemeClr val="accent1"/>
+          </a:lnRef>
+          <a:fillRef idx="0">
+            <a:schemeClr val="accent1"/>
+          </a:fillRef>
+          <a:effectRef idx="0">
+            <a:schemeClr val="accent1"/>
+          </a:effectRef>
+          <a:fontRef idx="minor">
+            <a:schemeClr val="tx1"/>
+          </a:fontRef>
+        </p:style>
+      </p:cxnSp>
+    </p:spTree>
+    <p:extLst>
+      <p:ext uri="{BB962C8B-B14F-4D97-AF65-F5344CB8AC3E}">
+        <p14:creationId xmlns:p14="http://schemas.microsoft.com/office/powerpoint/2010/main" val="423625490"/>
+      </p:ext>
+    </p:extLst>
+  </p:cSld>
+  <p:clrMapOvr>
+    <a:masterClrMapping/>
+  </p:clrMapOvr>
+</p:sld>
+</file>
+
+<file path=ppt/slides/slide17.xml><?xml version="1.0" encoding="utf-8"?>
+<p:sld xmlns:a="http://schemas.openxmlformats.org/drawingml/2006/main" xmlns:r="http://schemas.openxmlformats.org/officeDocument/2006/relationships" xmlns:p="http://schemas.openxmlformats.org/presentationml/2006/main">
+  <p:cSld>
+    <p:spTree>
+      <p:nvGrpSpPr>
+        <p:cNvPr id="1" name=""/>
+        <p:cNvGrpSpPr/>
+        <p:nvPr/>
+      </p:nvGrpSpPr>
+      <p:grpSpPr>
+        <a:xfrm>
+          <a:off x="0" y="0"/>
+          <a:ext cx="0" cy="0"/>
+          <a:chOff x="0" y="0"/>
+          <a:chExt cx="0" cy="0"/>
+        </a:xfrm>
+      </p:grpSpPr>
+      <p:sp>
+        <p:nvSpPr>
+          <p:cNvPr id="2" name="Title 1"/>
+          <p:cNvSpPr>
+            <a:spLocks noGrp="1"/>
+          </p:cNvSpPr>
+          <p:nvPr>
+            <p:ph type="title"/>
+          </p:nvPr>
+        </p:nvSpPr>
+        <p:spPr>
+          <a:xfrm>
+            <a:off x="838200" y="859266"/>
+            <a:ext cx="5709231" cy="831422"/>
+          </a:xfrm>
+        </p:spPr>
+        <p:txBody>
+          <a:bodyPr>
+            <a:normAutofit/>
+          </a:bodyPr>
+          <a:lstStyle/>
+          <a:p>
+            <a:r>
+              <a:rPr lang="en-GB" b="1" dirty="0" smtClean="0"/>
+              <a:t>Lists – Functions</a:t>
+            </a:r>
+            <a:endParaRPr lang="en-GB" b="1" dirty="0"/>
+          </a:p>
+        </p:txBody>
+      </p:sp>
+      <p:sp>
+        <p:nvSpPr>
+          <p:cNvPr id="3" name="Content Placeholder 2"/>
+          <p:cNvSpPr>
+            <a:spLocks noGrp="1"/>
+          </p:cNvSpPr>
+          <p:nvPr>
+            <p:ph idx="1"/>
+          </p:nvPr>
+        </p:nvSpPr>
+        <p:spPr>
+          <a:xfrm>
+            <a:off x="838200" y="1809150"/>
+            <a:ext cx="9114453" cy="4351338"/>
+          </a:xfrm>
+        </p:spPr>
+        <p:txBody>
+          <a:bodyPr>
+            <a:normAutofit/>
+          </a:bodyPr>
+          <a:lstStyle/>
+          <a:p>
+            <a:r>
+              <a:rPr lang="en-GB" dirty="0" smtClean="0"/>
+              <a:t>car gets head of list (which is a single item)</a:t>
+            </a:r>
+          </a:p>
+          <a:p>
+            <a:r>
+              <a:rPr lang="en-GB" dirty="0" err="1"/>
+              <a:t>c</a:t>
+            </a:r>
+            <a:r>
+              <a:rPr lang="en-GB" dirty="0" err="1" smtClean="0"/>
+              <a:t>dr</a:t>
+            </a:r>
+            <a:r>
+              <a:rPr lang="en-GB" dirty="0" smtClean="0"/>
+              <a:t> gets tail of list (which is a list)</a:t>
+            </a:r>
+          </a:p>
+          <a:p>
+            <a:endParaRPr lang="en-GB" dirty="0"/>
+          </a:p>
+          <a:p>
+            <a:endParaRPr lang="en-GB" dirty="0" smtClean="0"/>
+          </a:p>
+          <a:p>
+            <a:endParaRPr lang="en-GB" dirty="0"/>
+          </a:p>
+          <a:p>
+            <a:endParaRPr lang="en-GB" dirty="0" smtClean="0"/>
+          </a:p>
+          <a:p>
+            <a:r>
+              <a:rPr lang="en-GB" dirty="0" smtClean="0"/>
+              <a:t>c</a:t>
+            </a:r>
+            <a:r>
+              <a:rPr lang="en-GB" dirty="0" smtClean="0"/>
+              <a:t>ons builds lists by appending an item to a list</a:t>
+            </a:r>
+          </a:p>
+          <a:p>
+            <a:pPr marL="0" indent="0">
+              <a:buNone/>
+            </a:pPr>
+            <a:r>
+              <a:rPr lang="en-GB" dirty="0" smtClean="0"/>
+              <a:t>      </a:t>
+            </a:r>
+            <a:r>
+              <a:rPr lang="en-GB" dirty="0" smtClean="0">
+                <a:solidFill>
+                  <a:schemeClr val="accent6">
+                    <a:lumMod val="75000"/>
+                  </a:schemeClr>
+                </a:solidFill>
+                <a:latin typeface="Consolas" panose="020B0609020204030204" pitchFamily="49" charset="0"/>
+                <a:cs typeface="Consolas" panose="020B0609020204030204" pitchFamily="49" charset="0"/>
+              </a:rPr>
+              <a:t>(cons h ‘(e l </a:t>
+            </a:r>
+            <a:r>
+              <a:rPr lang="en-GB" dirty="0" err="1" smtClean="0">
+                <a:solidFill>
+                  <a:schemeClr val="accent6">
+                    <a:lumMod val="75000"/>
+                  </a:schemeClr>
+                </a:solidFill>
+                <a:latin typeface="Consolas" panose="020B0609020204030204" pitchFamily="49" charset="0"/>
+                <a:cs typeface="Consolas" panose="020B0609020204030204" pitchFamily="49" charset="0"/>
+              </a:rPr>
+              <a:t>l</a:t>
+            </a:r>
+            <a:r>
+              <a:rPr lang="en-GB" dirty="0" smtClean="0">
+                <a:solidFill>
+                  <a:schemeClr val="accent6">
+                    <a:lumMod val="75000"/>
+                  </a:schemeClr>
+                </a:solidFill>
+                <a:latin typeface="Consolas" panose="020B0609020204030204" pitchFamily="49" charset="0"/>
+                <a:cs typeface="Consolas" panose="020B0609020204030204" pitchFamily="49" charset="0"/>
+              </a:rPr>
+              <a:t> o))  </a:t>
+            </a:r>
+            <a:r>
+              <a:rPr lang="en-GB" dirty="0" smtClean="0">
+                <a:solidFill>
+                  <a:schemeClr val="accent6">
+                    <a:lumMod val="75000"/>
+                  </a:schemeClr>
+                </a:solidFill>
+                <a:latin typeface="Consolas" panose="020B0609020204030204" pitchFamily="49" charset="0"/>
+                <a:cs typeface="Consolas" panose="020B0609020204030204" pitchFamily="49" charset="0"/>
+                <a:sym typeface="Wingdings" panose="05000000000000000000" pitchFamily="2" charset="2"/>
+              </a:rPr>
+              <a:t> ‘(h e l </a:t>
+            </a:r>
+            <a:r>
+              <a:rPr lang="en-GB" dirty="0" err="1" smtClean="0">
+                <a:solidFill>
+                  <a:schemeClr val="accent6">
+                    <a:lumMod val="75000"/>
+                  </a:schemeClr>
+                </a:solidFill>
+                <a:latin typeface="Consolas" panose="020B0609020204030204" pitchFamily="49" charset="0"/>
+                <a:cs typeface="Consolas" panose="020B0609020204030204" pitchFamily="49" charset="0"/>
+                <a:sym typeface="Wingdings" panose="05000000000000000000" pitchFamily="2" charset="2"/>
+              </a:rPr>
+              <a:t>l</a:t>
+            </a:r>
+            <a:r>
+              <a:rPr lang="en-GB" dirty="0" smtClean="0">
+                <a:solidFill>
+                  <a:schemeClr val="accent6">
+                    <a:lumMod val="75000"/>
+                  </a:schemeClr>
+                </a:solidFill>
+                <a:latin typeface="Consolas" panose="020B0609020204030204" pitchFamily="49" charset="0"/>
+                <a:cs typeface="Consolas" panose="020B0609020204030204" pitchFamily="49" charset="0"/>
+                <a:sym typeface="Wingdings" panose="05000000000000000000" pitchFamily="2" charset="2"/>
+              </a:rPr>
+              <a:t> o)</a:t>
+            </a:r>
+            <a:endParaRPr lang="en-GB" dirty="0">
+              <a:solidFill>
+                <a:schemeClr val="accent6">
+                  <a:lumMod val="75000"/>
+                </a:schemeClr>
+              </a:solidFill>
+              <a:latin typeface="Consolas" panose="020B0609020204030204" pitchFamily="49" charset="0"/>
+              <a:cs typeface="Consolas" panose="020B0609020204030204" pitchFamily="49" charset="0"/>
+            </a:endParaRPr>
+          </a:p>
+          <a:p>
+            <a:endParaRPr lang="en-GB" dirty="0" smtClean="0"/>
+          </a:p>
+        </p:txBody>
+      </p:sp>
+      <p:pic>
+        <p:nvPicPr>
+          <p:cNvPr id="1026" name="Picture 2" descr="https://taylodl.files.wordpress.com/2013/07/cons_hello.png?w=494&amp;h=481"/>
+          <p:cNvPicPr>
+            <a:picLocks noChangeAspect="1" noChangeArrowheads="1"/>
+          </p:cNvPicPr>
+          <p:nvPr/>
+        </p:nvPicPr>
+        <p:blipFill>
+          <a:blip r:embed="rId2">
+            <a:extLst>
+              <a:ext uri="{28A0092B-C50C-407E-A947-70E740481C1C}">
+                <a14:useLocalDpi xmlns:a14="http://schemas.microsoft.com/office/drawing/2010/main" val="0"/>
+              </a:ext>
+            </a:extLst>
+          </a:blip>
+          <a:srcRect/>
+          <a:stretch>
+            <a:fillRect/>
+          </a:stretch>
+        </p:blipFill>
+        <p:spPr bwMode="auto">
+          <a:xfrm>
+            <a:off x="7331942" y="2567787"/>
+            <a:ext cx="2396023" cy="2332970"/>
+          </a:xfrm>
+          <a:prstGeom prst="rect">
+            <a:avLst/>
+          </a:prstGeom>
+          <a:noFill/>
+          <a:extLst>
+            <a:ext uri="{909E8E84-426E-40DD-AFC4-6F175D3DCCD1}">
+              <a14:hiddenFill xmlns:a14="http://schemas.microsoft.com/office/drawing/2010/main">
+                <a:solidFill>
+                  <a:srgbClr val="FFFFFF"/>
+                </a:solidFill>
+              </a14:hiddenFill>
+            </a:ext>
+          </a:extLst>
+        </p:spPr>
+      </p:pic>
+      <p:sp>
+        <p:nvSpPr>
+          <p:cNvPr id="4" name="Rectangle 3"/>
+          <p:cNvSpPr/>
+          <p:nvPr/>
+        </p:nvSpPr>
+        <p:spPr>
+          <a:xfrm>
+            <a:off x="7241308" y="2475345"/>
+            <a:ext cx="452583" cy="775855"/>
+          </a:xfrm>
+          <a:prstGeom prst="rect">
+            <a:avLst/>
+          </a:prstGeom>
+          <a:noFill/>
+          <a:ln w="25400">
+            <a:solidFill>
+              <a:srgbClr val="C00000"/>
+            </a:solidFill>
+          </a:ln>
+        </p:spPr>
+        <p:style>
+          <a:lnRef idx="2">
+            <a:schemeClr val="accent1">
+              <a:shade val="50000"/>
+            </a:schemeClr>
+          </a:lnRef>
+          <a:fillRef idx="1">
+            <a:schemeClr val="accent1"/>
+          </a:fillRef>
+          <a:effectRef idx="0">
+            <a:schemeClr val="accent1"/>
+          </a:effectRef>
+          <a:fontRef idx="minor">
+            <a:schemeClr val="lt1"/>
+          </a:fontRef>
+        </p:style>
+        <p:txBody>
+          <a:bodyPr rtlCol="0" anchor="ctr"/>
+          <a:lstStyle/>
+          <a:p>
+            <a:pPr algn="ctr"/>
+            <a:endParaRPr lang="en-GB"/>
+          </a:p>
+        </p:txBody>
+      </p:sp>
+      <p:sp>
+        <p:nvSpPr>
+          <p:cNvPr id="9" name="Rectangle 8"/>
+          <p:cNvSpPr/>
+          <p:nvPr/>
+        </p:nvSpPr>
+        <p:spPr>
+          <a:xfrm>
+            <a:off x="7784525" y="2475345"/>
+            <a:ext cx="2034074" cy="2425412"/>
+          </a:xfrm>
+          <a:prstGeom prst="rect">
+            <a:avLst/>
+          </a:prstGeom>
+          <a:noFill/>
+          <a:ln w="25400">
+            <a:solidFill>
+              <a:srgbClr val="C00000"/>
+            </a:solidFill>
+          </a:ln>
+        </p:spPr>
+        <p:style>
+          <a:lnRef idx="2">
+            <a:schemeClr val="accent1">
+              <a:shade val="50000"/>
+            </a:schemeClr>
+          </a:lnRef>
+          <a:fillRef idx="1">
+            <a:schemeClr val="accent1"/>
+          </a:fillRef>
+          <a:effectRef idx="0">
+            <a:schemeClr val="accent1"/>
+          </a:effectRef>
+          <a:fontRef idx="minor">
+            <a:schemeClr val="lt1"/>
+          </a:fontRef>
+        </p:style>
+        <p:txBody>
+          <a:bodyPr rtlCol="0" anchor="ctr"/>
+          <a:lstStyle/>
+          <a:p>
+            <a:pPr algn="ctr"/>
+            <a:endParaRPr lang="en-GB"/>
+          </a:p>
+        </p:txBody>
+      </p:sp>
+      <p:sp>
+        <p:nvSpPr>
+          <p:cNvPr id="6" name="TextBox 5"/>
+          <p:cNvSpPr txBox="1"/>
+          <p:nvPr/>
+        </p:nvSpPr>
+        <p:spPr>
+          <a:xfrm>
+            <a:off x="6261230" y="2789535"/>
+            <a:ext cx="572401" cy="461665"/>
+          </a:xfrm>
+          <a:prstGeom prst="rect">
+            <a:avLst/>
+          </a:prstGeom>
+          <a:noFill/>
+        </p:spPr>
+        <p:txBody>
+          <a:bodyPr wrap="none" rtlCol="0">
+            <a:spAutoFit/>
+          </a:bodyPr>
+          <a:lstStyle/>
+          <a:p>
+            <a:r>
+              <a:rPr lang="en-GB" sz="2400" b="1" dirty="0" smtClean="0">
+                <a:solidFill>
+                  <a:srgbClr val="C00000"/>
+                </a:solidFill>
+              </a:rPr>
+              <a:t>car</a:t>
+            </a:r>
+            <a:endParaRPr lang="en-GB" sz="2400" b="1" dirty="0">
+              <a:solidFill>
+                <a:srgbClr val="C00000"/>
+              </a:solidFill>
+            </a:endParaRPr>
+          </a:p>
+        </p:txBody>
+      </p:sp>
+      <p:cxnSp>
+        <p:nvCxnSpPr>
+          <p:cNvPr id="10" name="Straight Arrow Connector 9"/>
+          <p:cNvCxnSpPr>
+            <a:endCxn id="4" idx="1"/>
+          </p:cNvCxnSpPr>
+          <p:nvPr/>
+        </p:nvCxnSpPr>
+        <p:spPr>
+          <a:xfrm flipV="1">
+            <a:off x="6819450" y="2863273"/>
+            <a:ext cx="421858" cy="157018"/>
+          </a:xfrm>
+          <a:prstGeom prst="straightConnector1">
+            <a:avLst/>
+          </a:prstGeom>
+          <a:ln w="25400">
+            <a:solidFill>
+              <a:srgbClr val="C00000"/>
+            </a:solidFill>
+            <a:tailEnd type="triangle"/>
+          </a:ln>
+        </p:spPr>
+        <p:style>
+          <a:lnRef idx="1">
+            <a:schemeClr val="accent1"/>
+          </a:lnRef>
+          <a:fillRef idx="0">
+            <a:schemeClr val="accent1"/>
+          </a:fillRef>
+          <a:effectRef idx="0">
+            <a:schemeClr val="accent1"/>
+          </a:effectRef>
+          <a:fontRef idx="minor">
+            <a:schemeClr val="tx1"/>
+          </a:fontRef>
+        </p:style>
+      </p:cxnSp>
+      <p:sp>
+        <p:nvSpPr>
+          <p:cNvPr id="12" name="TextBox 11"/>
+          <p:cNvSpPr txBox="1"/>
+          <p:nvPr/>
+        </p:nvSpPr>
+        <p:spPr>
+          <a:xfrm>
+            <a:off x="10271182" y="3457218"/>
+            <a:ext cx="587020" cy="461665"/>
+          </a:xfrm>
+          <a:prstGeom prst="rect">
+            <a:avLst/>
+          </a:prstGeom>
+          <a:noFill/>
+        </p:spPr>
+        <p:txBody>
+          <a:bodyPr wrap="none" rtlCol="0">
+            <a:spAutoFit/>
+          </a:bodyPr>
+          <a:lstStyle/>
+          <a:p>
+            <a:r>
+              <a:rPr lang="en-GB" sz="2400" b="1" dirty="0" err="1" smtClean="0">
+                <a:solidFill>
+                  <a:srgbClr val="C00000"/>
+                </a:solidFill>
+              </a:rPr>
+              <a:t>cdr</a:t>
+            </a:r>
+            <a:endParaRPr lang="en-GB" sz="2400" b="1" dirty="0">
+              <a:solidFill>
+                <a:srgbClr val="C00000"/>
+              </a:solidFill>
+            </a:endParaRPr>
+          </a:p>
+        </p:txBody>
+      </p:sp>
+      <p:cxnSp>
+        <p:nvCxnSpPr>
+          <p:cNvPr id="13" name="Straight Arrow Connector 12"/>
+          <p:cNvCxnSpPr>
+            <a:stCxn id="12" idx="1"/>
+          </p:cNvCxnSpPr>
+          <p:nvPr/>
+        </p:nvCxnSpPr>
+        <p:spPr>
+          <a:xfrm flipH="1" flipV="1">
+            <a:off x="9823089" y="3655763"/>
+            <a:ext cx="448093" cy="32288"/>
+          </a:xfrm>
+          <a:prstGeom prst="straightConnector1">
+            <a:avLst/>
+          </a:prstGeom>
+          <a:ln w="25400">
+            <a:solidFill>
+              <a:srgbClr val="C00000"/>
+            </a:solidFill>
+            <a:tailEnd type="triangle"/>
+          </a:ln>
+        </p:spPr>
+        <p:style>
+          <a:lnRef idx="1">
+            <a:schemeClr val="accent1"/>
+          </a:lnRef>
+          <a:fillRef idx="0">
+            <a:schemeClr val="accent1"/>
+          </a:fillRef>
+          <a:effectRef idx="0">
+            <a:schemeClr val="accent1"/>
+          </a:effectRef>
+          <a:fontRef idx="minor">
+            <a:schemeClr val="tx1"/>
+          </a:fontRef>
+        </p:style>
+      </p:cxnSp>
+    </p:spTree>
+    <p:extLst>
+      <p:ext uri="{BB962C8B-B14F-4D97-AF65-F5344CB8AC3E}">
+        <p14:creationId xmlns:p14="http://schemas.microsoft.com/office/powerpoint/2010/main" val="3432489246"/>
+      </p:ext>
+    </p:extLst>
+  </p:cSld>
+  <p:clrMapOvr>
+    <a:masterClrMapping/>
+  </p:clrMapOvr>
+</p:sld>
+</file>
+
+<file path=ppt/slides/slide18.xml><?xml version="1.0" encoding="utf-8"?>
+<p:sld xmlns:a="http://schemas.openxmlformats.org/drawingml/2006/main" xmlns:r="http://schemas.openxmlformats.org/officeDocument/2006/relationships" xmlns:p="http://schemas.openxmlformats.org/presentationml/2006/main">
+  <p:cSld>
+    <p:spTree>
+      <p:nvGrpSpPr>
+        <p:cNvPr id="1" name=""/>
+        <p:cNvGrpSpPr/>
+        <p:nvPr/>
+      </p:nvGrpSpPr>
+      <p:grpSpPr>
+        <a:xfrm>
+          <a:off x="0" y="0"/>
+          <a:ext cx="0" cy="0"/>
+          <a:chOff x="0" y="0"/>
+          <a:chExt cx="0" cy="0"/>
+        </a:xfrm>
+      </p:grpSpPr>
+      <p:sp>
+        <p:nvSpPr>
+          <p:cNvPr id="2" name="Title 1"/>
+          <p:cNvSpPr>
+            <a:spLocks noGrp="1"/>
+          </p:cNvSpPr>
+          <p:nvPr>
+            <p:ph type="title"/>
+          </p:nvPr>
+        </p:nvSpPr>
+        <p:spPr/>
+        <p:txBody>
+          <a:bodyPr/>
+          <a:lstStyle/>
+          <a:p>
+            <a:r>
+              <a:rPr lang="en-GB" b="1" dirty="0" smtClean="0"/>
+              <a:t>Recursion</a:t>
+            </a:r>
+            <a:endParaRPr lang="en-GB" b="1" dirty="0"/>
+          </a:p>
+        </p:txBody>
+      </p:sp>
+      <p:sp>
+        <p:nvSpPr>
+          <p:cNvPr id="3" name="Content Placeholder 2"/>
+          <p:cNvSpPr>
+            <a:spLocks noGrp="1"/>
+          </p:cNvSpPr>
+          <p:nvPr>
+            <p:ph idx="1"/>
+          </p:nvPr>
+        </p:nvSpPr>
+        <p:spPr/>
+        <p:txBody>
+          <a:bodyPr>
+            <a:normAutofit fontScale="85000" lnSpcReduction="20000"/>
+          </a:bodyPr>
+          <a:lstStyle/>
+          <a:p>
+            <a:pPr marL="0" indent="0">
+              <a:buNone/>
+            </a:pPr>
+            <a:r>
+              <a:rPr lang="en-GB" dirty="0" smtClean="0">
+                <a:latin typeface="Calibri" panose="020F0502020204030204" pitchFamily="34" charset="0"/>
+                <a:cs typeface="Consolas" panose="020B0609020204030204" pitchFamily="49" charset="0"/>
+              </a:rPr>
+              <a:t>Recursion is the typical way to work with lists.</a:t>
+            </a:r>
+          </a:p>
+          <a:p>
+            <a:pPr marL="0" indent="0">
+              <a:buNone/>
+            </a:pPr>
+            <a:endParaRPr lang="en-GB" dirty="0" smtClean="0">
+              <a:solidFill>
+                <a:schemeClr val="accent6">
+                  <a:lumMod val="75000"/>
+                </a:schemeClr>
+              </a:solidFill>
+              <a:latin typeface="Consolas" panose="020B0609020204030204" pitchFamily="49" charset="0"/>
+              <a:cs typeface="Consolas" panose="020B0609020204030204" pitchFamily="49" charset="0"/>
+            </a:endParaRPr>
+          </a:p>
+          <a:p>
+            <a:pPr marL="0" indent="0">
+              <a:buNone/>
+            </a:pPr>
+            <a:r>
+              <a:rPr lang="en-GB" dirty="0" smtClean="0">
+                <a:solidFill>
+                  <a:schemeClr val="accent6">
+                    <a:lumMod val="75000"/>
+                  </a:schemeClr>
+                </a:solidFill>
+                <a:latin typeface="Consolas" panose="020B0609020204030204" pitchFamily="49" charset="0"/>
+                <a:cs typeface="Consolas" panose="020B0609020204030204" pitchFamily="49" charset="0"/>
+              </a:rPr>
+              <a:t>(</a:t>
+            </a:r>
+            <a:r>
+              <a:rPr lang="en-GB" dirty="0">
+                <a:solidFill>
+                  <a:schemeClr val="accent6">
+                    <a:lumMod val="75000"/>
+                  </a:schemeClr>
+                </a:solidFill>
+                <a:latin typeface="Consolas" panose="020B0609020204030204" pitchFamily="49" charset="0"/>
+                <a:cs typeface="Consolas" panose="020B0609020204030204" pitchFamily="49" charset="0"/>
+              </a:rPr>
+              <a:t>define </a:t>
+            </a:r>
+            <a:r>
+              <a:rPr lang="en-GB" dirty="0" smtClean="0">
+                <a:solidFill>
+                  <a:schemeClr val="accent6">
+                    <a:lumMod val="75000"/>
+                  </a:schemeClr>
+                </a:solidFill>
+                <a:latin typeface="Consolas" panose="020B0609020204030204" pitchFamily="49" charset="0"/>
+                <a:cs typeface="Consolas" panose="020B0609020204030204" pitchFamily="49" charset="0"/>
+              </a:rPr>
+              <a:t>(contains? item a-list)</a:t>
+            </a:r>
+            <a:endParaRPr lang="en-GB" dirty="0">
+              <a:solidFill>
+                <a:schemeClr val="accent6">
+                  <a:lumMod val="75000"/>
+                </a:schemeClr>
+              </a:solidFill>
+              <a:latin typeface="Consolas" panose="020B0609020204030204" pitchFamily="49" charset="0"/>
+              <a:cs typeface="Consolas" panose="020B0609020204030204" pitchFamily="49" charset="0"/>
+            </a:endParaRPr>
+          </a:p>
+          <a:p>
+            <a:pPr marL="0" indent="0">
+              <a:buNone/>
+            </a:pPr>
+            <a:r>
+              <a:rPr lang="en-GB" dirty="0">
+                <a:solidFill>
+                  <a:schemeClr val="accent6">
+                    <a:lumMod val="75000"/>
+                  </a:schemeClr>
+                </a:solidFill>
+                <a:latin typeface="Consolas" panose="020B0609020204030204" pitchFamily="49" charset="0"/>
+                <a:cs typeface="Consolas" panose="020B0609020204030204" pitchFamily="49" charset="0"/>
+              </a:rPr>
+              <a:t>    (</a:t>
+            </a:r>
+            <a:r>
+              <a:rPr lang="en-GB" dirty="0" err="1">
+                <a:solidFill>
+                  <a:schemeClr val="accent6">
+                    <a:lumMod val="75000"/>
+                  </a:schemeClr>
+                </a:solidFill>
+                <a:latin typeface="Consolas" panose="020B0609020204030204" pitchFamily="49" charset="0"/>
+                <a:cs typeface="Consolas" panose="020B0609020204030204" pitchFamily="49" charset="0"/>
+              </a:rPr>
+              <a:t>cond</a:t>
+            </a:r>
+            <a:r>
+              <a:rPr lang="en-GB" dirty="0">
+                <a:solidFill>
+                  <a:schemeClr val="accent6">
+                    <a:lumMod val="75000"/>
+                  </a:schemeClr>
+                </a:solidFill>
+                <a:latin typeface="Consolas" panose="020B0609020204030204" pitchFamily="49" charset="0"/>
+                <a:cs typeface="Consolas" panose="020B0609020204030204" pitchFamily="49" charset="0"/>
+              </a:rPr>
+              <a:t> </a:t>
+            </a:r>
+            <a:endParaRPr lang="en-GB" dirty="0" smtClean="0">
+              <a:solidFill>
+                <a:schemeClr val="accent6">
+                  <a:lumMod val="75000"/>
+                </a:schemeClr>
+              </a:solidFill>
+              <a:latin typeface="Consolas" panose="020B0609020204030204" pitchFamily="49" charset="0"/>
+              <a:cs typeface="Consolas" panose="020B0609020204030204" pitchFamily="49" charset="0"/>
+            </a:endParaRPr>
+          </a:p>
+          <a:p>
+            <a:pPr marL="0" indent="0">
+              <a:buNone/>
+            </a:pPr>
+            <a:r>
+              <a:rPr lang="en-GB" dirty="0">
+                <a:solidFill>
+                  <a:schemeClr val="accent6">
+                    <a:lumMod val="75000"/>
+                  </a:schemeClr>
+                </a:solidFill>
+                <a:latin typeface="Consolas" panose="020B0609020204030204" pitchFamily="49" charset="0"/>
+                <a:cs typeface="Consolas" panose="020B0609020204030204" pitchFamily="49" charset="0"/>
+              </a:rPr>
+              <a:t> </a:t>
+            </a:r>
+            <a:r>
+              <a:rPr lang="en-GB" dirty="0" smtClean="0">
+                <a:solidFill>
+                  <a:schemeClr val="accent6">
+                    <a:lumMod val="75000"/>
+                  </a:schemeClr>
+                </a:solidFill>
+                <a:latin typeface="Consolas" panose="020B0609020204030204" pitchFamily="49" charset="0"/>
+                <a:cs typeface="Consolas" panose="020B0609020204030204" pitchFamily="49" charset="0"/>
+              </a:rPr>
+              <a:t>     </a:t>
+            </a:r>
+            <a:r>
+              <a:rPr lang="en-GB" dirty="0" smtClean="0">
+                <a:solidFill>
+                  <a:schemeClr val="accent6">
+                    <a:lumMod val="75000"/>
+                  </a:schemeClr>
+                </a:solidFill>
+                <a:latin typeface="Consolas" panose="020B0609020204030204" pitchFamily="49" charset="0"/>
+                <a:cs typeface="Consolas" panose="020B0609020204030204" pitchFamily="49" charset="0"/>
+              </a:rPr>
+              <a:t>((</a:t>
+            </a:r>
+            <a:r>
+              <a:rPr lang="en-GB" dirty="0">
+                <a:solidFill>
+                  <a:schemeClr val="accent6">
+                    <a:lumMod val="75000"/>
+                  </a:schemeClr>
+                </a:solidFill>
+                <a:latin typeface="Consolas" panose="020B0609020204030204" pitchFamily="49" charset="0"/>
+                <a:cs typeface="Consolas" panose="020B0609020204030204" pitchFamily="49" charset="0"/>
+              </a:rPr>
+              <a:t>null? a-list) </a:t>
+            </a:r>
+            <a:r>
+              <a:rPr lang="en-GB" dirty="0" smtClean="0">
+                <a:solidFill>
+                  <a:schemeClr val="accent6">
+                    <a:lumMod val="75000"/>
+                  </a:schemeClr>
+                </a:solidFill>
+                <a:latin typeface="Consolas" panose="020B0609020204030204" pitchFamily="49" charset="0"/>
+                <a:cs typeface="Consolas" panose="020B0609020204030204" pitchFamily="49" charset="0"/>
+              </a:rPr>
+              <a:t>#f)</a:t>
+            </a:r>
+          </a:p>
+          <a:p>
+            <a:pPr marL="0" indent="0">
+              <a:buNone/>
+            </a:pPr>
+            <a:r>
+              <a:rPr lang="en-GB" dirty="0">
+                <a:solidFill>
+                  <a:schemeClr val="accent6">
+                    <a:lumMod val="75000"/>
+                  </a:schemeClr>
+                </a:solidFill>
+                <a:latin typeface="Consolas" panose="020B0609020204030204" pitchFamily="49" charset="0"/>
+                <a:cs typeface="Consolas" panose="020B0609020204030204" pitchFamily="49" charset="0"/>
+              </a:rPr>
+              <a:t> </a:t>
+            </a:r>
+            <a:r>
+              <a:rPr lang="en-GB" dirty="0" smtClean="0">
+                <a:solidFill>
+                  <a:schemeClr val="accent6">
+                    <a:lumMod val="75000"/>
+                  </a:schemeClr>
+                </a:solidFill>
+                <a:latin typeface="Consolas" panose="020B0609020204030204" pitchFamily="49" charset="0"/>
+                <a:cs typeface="Consolas" panose="020B0609020204030204" pitchFamily="49" charset="0"/>
+              </a:rPr>
+              <a:t>     ((</a:t>
+            </a:r>
+            <a:r>
+              <a:rPr lang="en-GB" dirty="0" err="1" smtClean="0">
+                <a:solidFill>
+                  <a:schemeClr val="accent6">
+                    <a:lumMod val="75000"/>
+                  </a:schemeClr>
+                </a:solidFill>
+                <a:latin typeface="Consolas" panose="020B0609020204030204" pitchFamily="49" charset="0"/>
+                <a:cs typeface="Consolas" panose="020B0609020204030204" pitchFamily="49" charset="0"/>
+              </a:rPr>
+              <a:t>eqv</a:t>
+            </a:r>
+            <a:r>
+              <a:rPr lang="en-GB" dirty="0" smtClean="0">
+                <a:solidFill>
+                  <a:schemeClr val="accent6">
+                    <a:lumMod val="75000"/>
+                  </a:schemeClr>
+                </a:solidFill>
+                <a:latin typeface="Consolas" panose="020B0609020204030204" pitchFamily="49" charset="0"/>
+                <a:cs typeface="Consolas" panose="020B0609020204030204" pitchFamily="49" charset="0"/>
+              </a:rPr>
+              <a:t>? (car a-list) item) #t) </a:t>
+            </a:r>
+            <a:endParaRPr lang="en-GB" dirty="0">
+              <a:solidFill>
+                <a:schemeClr val="accent6">
+                  <a:lumMod val="75000"/>
+                </a:schemeClr>
+              </a:solidFill>
+              <a:latin typeface="Consolas" panose="020B0609020204030204" pitchFamily="49" charset="0"/>
+              <a:cs typeface="Consolas" panose="020B0609020204030204" pitchFamily="49" charset="0"/>
+            </a:endParaRPr>
+          </a:p>
+          <a:p>
+            <a:pPr marL="0" indent="0">
+              <a:buNone/>
+            </a:pPr>
+            <a:r>
+              <a:rPr lang="en-GB" dirty="0">
+                <a:solidFill>
+                  <a:schemeClr val="accent6">
+                    <a:lumMod val="75000"/>
+                  </a:schemeClr>
+                </a:solidFill>
+                <a:latin typeface="Consolas" panose="020B0609020204030204" pitchFamily="49" charset="0"/>
+                <a:cs typeface="Consolas" panose="020B0609020204030204" pitchFamily="49" charset="0"/>
+              </a:rPr>
+              <a:t>      (else </a:t>
+            </a:r>
+            <a:r>
+              <a:rPr lang="en-GB" dirty="0" smtClean="0">
+                <a:solidFill>
+                  <a:schemeClr val="accent6">
+                    <a:lumMod val="75000"/>
+                  </a:schemeClr>
+                </a:solidFill>
+                <a:latin typeface="Consolas" panose="020B0609020204030204" pitchFamily="49" charset="0"/>
+                <a:cs typeface="Consolas" panose="020B0609020204030204" pitchFamily="49" charset="0"/>
+              </a:rPr>
+              <a:t>(contains? item (</a:t>
+            </a:r>
+            <a:r>
+              <a:rPr lang="en-GB" dirty="0" err="1" smtClean="0">
+                <a:solidFill>
+                  <a:schemeClr val="accent6">
+                    <a:lumMod val="75000"/>
+                  </a:schemeClr>
+                </a:solidFill>
+                <a:latin typeface="Consolas" panose="020B0609020204030204" pitchFamily="49" charset="0"/>
+                <a:cs typeface="Consolas" panose="020B0609020204030204" pitchFamily="49" charset="0"/>
+              </a:rPr>
+              <a:t>cdr</a:t>
+            </a:r>
+            <a:r>
+              <a:rPr lang="en-GB" dirty="0" smtClean="0">
+                <a:solidFill>
+                  <a:schemeClr val="accent6">
+                    <a:lumMod val="75000"/>
+                  </a:schemeClr>
+                </a:solidFill>
+                <a:latin typeface="Consolas" panose="020B0609020204030204" pitchFamily="49" charset="0"/>
+                <a:cs typeface="Consolas" panose="020B0609020204030204" pitchFamily="49" charset="0"/>
+              </a:rPr>
+              <a:t> </a:t>
+            </a:r>
+            <a:r>
+              <a:rPr lang="en-GB" dirty="0">
+                <a:solidFill>
+                  <a:schemeClr val="accent6">
+                    <a:lumMod val="75000"/>
+                  </a:schemeClr>
+                </a:solidFill>
+                <a:latin typeface="Consolas" panose="020B0609020204030204" pitchFamily="49" charset="0"/>
+                <a:cs typeface="Consolas" panose="020B0609020204030204" pitchFamily="49" charset="0"/>
+              </a:rPr>
+              <a:t>a-list</a:t>
+            </a:r>
+            <a:r>
+              <a:rPr lang="en-GB" dirty="0" smtClean="0">
+                <a:solidFill>
+                  <a:schemeClr val="accent6">
+                    <a:lumMod val="75000"/>
+                  </a:schemeClr>
+                </a:solidFill>
+                <a:latin typeface="Consolas" panose="020B0609020204030204" pitchFamily="49" charset="0"/>
+                <a:cs typeface="Consolas" panose="020B0609020204030204" pitchFamily="49" charset="0"/>
+              </a:rPr>
+              <a:t>)))))</a:t>
+            </a:r>
+            <a:endParaRPr lang="en-GB" dirty="0" smtClean="0">
+              <a:solidFill>
+                <a:schemeClr val="accent6">
+                  <a:lumMod val="75000"/>
+                </a:schemeClr>
+              </a:solidFill>
+              <a:latin typeface="Consolas" panose="020B0609020204030204" pitchFamily="49" charset="0"/>
+              <a:cs typeface="Consolas" panose="020B0609020204030204" pitchFamily="49" charset="0"/>
+            </a:endParaRPr>
+          </a:p>
+          <a:p>
+            <a:pPr marL="0" indent="0">
+              <a:buNone/>
+            </a:pPr>
+            <a:endParaRPr lang="en-GB" dirty="0" smtClean="0">
+              <a:solidFill>
+                <a:schemeClr val="accent6">
+                  <a:lumMod val="75000"/>
+                </a:schemeClr>
+              </a:solidFill>
+              <a:latin typeface="Consolas" panose="020B0609020204030204" pitchFamily="49" charset="0"/>
+              <a:cs typeface="Consolas" panose="020B0609020204030204" pitchFamily="49" charset="0"/>
+            </a:endParaRPr>
+          </a:p>
+          <a:p>
+            <a:pPr marL="0" indent="0">
+              <a:buNone/>
+            </a:pPr>
+            <a:r>
+              <a:rPr lang="en-GB" dirty="0" smtClean="0">
+                <a:solidFill>
+                  <a:schemeClr val="accent6">
+                    <a:lumMod val="75000"/>
+                  </a:schemeClr>
+                </a:solidFill>
+                <a:latin typeface="Consolas" panose="020B0609020204030204" pitchFamily="49" charset="0"/>
+                <a:cs typeface="Consolas" panose="020B0609020204030204" pitchFamily="49" charset="0"/>
+              </a:rPr>
+              <a:t>(contains? 4 ‘(1 2 3))  </a:t>
+            </a:r>
+            <a:r>
+              <a:rPr lang="en-GB" dirty="0" smtClean="0">
+                <a:solidFill>
+                  <a:schemeClr val="accent6">
+                    <a:lumMod val="75000"/>
+                  </a:schemeClr>
+                </a:solidFill>
+                <a:latin typeface="Consolas" panose="020B0609020204030204" pitchFamily="49" charset="0"/>
+                <a:cs typeface="Consolas" panose="020B0609020204030204" pitchFamily="49" charset="0"/>
+                <a:sym typeface="Wingdings" panose="05000000000000000000" pitchFamily="2" charset="2"/>
+              </a:rPr>
+              <a:t> </a:t>
+            </a:r>
+            <a:r>
+              <a:rPr lang="en-GB" dirty="0" smtClean="0">
+                <a:solidFill>
+                  <a:schemeClr val="accent6">
+                    <a:lumMod val="75000"/>
+                  </a:schemeClr>
+                </a:solidFill>
+                <a:latin typeface="Consolas" panose="020B0609020204030204" pitchFamily="49" charset="0"/>
+                <a:cs typeface="Consolas" panose="020B0609020204030204" pitchFamily="49" charset="0"/>
+                <a:sym typeface="Wingdings" panose="05000000000000000000" pitchFamily="2" charset="2"/>
+              </a:rPr>
+              <a:t>#f</a:t>
+            </a:r>
+            <a:endParaRPr lang="en-GB" dirty="0">
+              <a:solidFill>
+                <a:schemeClr val="accent6">
+                  <a:lumMod val="75000"/>
+                </a:schemeClr>
+              </a:solidFill>
+              <a:latin typeface="Consolas" panose="020B0609020204030204" pitchFamily="49" charset="0"/>
+              <a:cs typeface="Consolas" panose="020B0609020204030204" pitchFamily="49" charset="0"/>
+            </a:endParaRPr>
+          </a:p>
+          <a:p>
+            <a:pPr marL="0" indent="0">
+              <a:buNone/>
+            </a:pPr>
+            <a:endParaRPr lang="en-GB" dirty="0">
+              <a:solidFill>
+                <a:schemeClr val="accent6">
+                  <a:lumMod val="75000"/>
+                </a:schemeClr>
+              </a:solidFill>
+              <a:latin typeface="Consolas" panose="020B0609020204030204" pitchFamily="49" charset="0"/>
+              <a:cs typeface="Consolas" panose="020B0609020204030204" pitchFamily="49" charset="0"/>
+            </a:endParaRPr>
+          </a:p>
+          <a:p>
+            <a:pPr marL="0" indent="0">
+              <a:buNone/>
+            </a:pPr>
+            <a:r>
+              <a:rPr lang="en-GB" dirty="0" smtClean="0">
+                <a:cs typeface="Consolas" panose="020B0609020204030204" pitchFamily="49" charset="0"/>
+              </a:rPr>
+              <a:t>Learn to love it..</a:t>
+            </a:r>
+            <a:endParaRPr lang="en-GB" dirty="0">
+              <a:cs typeface="Consolas" panose="020B0609020204030204" pitchFamily="49" charset="0"/>
+            </a:endParaRPr>
+          </a:p>
+        </p:txBody>
+      </p:sp>
+    </p:spTree>
+    <p:extLst>
+      <p:ext uri="{BB962C8B-B14F-4D97-AF65-F5344CB8AC3E}">
+        <p14:creationId xmlns:p14="http://schemas.microsoft.com/office/powerpoint/2010/main" val="2431419492"/>
+      </p:ext>
+    </p:extLst>
+  </p:cSld>
+  <p:clrMapOvr>
+    <a:masterClrMapping/>
+  </p:clrMapOvr>
+</p:sld>
+</file>
+
+<file path=ppt/slides/slide19.xml><?xml version="1.0" encoding="utf-8"?>
+<p:sld xmlns:a="http://schemas.openxmlformats.org/drawingml/2006/main" xmlns:r="http://schemas.openxmlformats.org/officeDocument/2006/relationships" xmlns:p="http://schemas.openxmlformats.org/presentationml/2006/main">
+  <p:cSld>
+    <p:spTree>
+      <p:nvGrpSpPr>
+        <p:cNvPr id="1" name=""/>
+        <p:cNvGrpSpPr/>
+        <p:nvPr/>
+      </p:nvGrpSpPr>
+      <p:grpSpPr>
+        <a:xfrm>
+          <a:off x="0" y="0"/>
+          <a:ext cx="0" cy="0"/>
+          <a:chOff x="0" y="0"/>
+          <a:chExt cx="0" cy="0"/>
+        </a:xfrm>
+      </p:grpSpPr>
+      <p:sp>
+        <p:nvSpPr>
+          <p:cNvPr id="2" name="Title 1"/>
+          <p:cNvSpPr>
+            <a:spLocks noGrp="1"/>
+          </p:cNvSpPr>
+          <p:nvPr>
+            <p:ph type="title"/>
+          </p:nvPr>
+        </p:nvSpPr>
+        <p:spPr/>
+        <p:txBody>
+          <a:bodyPr/>
+          <a:lstStyle/>
+          <a:p>
+            <a:r>
+              <a:rPr lang="en-GB" b="1" dirty="0" smtClean="0"/>
+              <a:t>Why?</a:t>
+            </a:r>
+            <a:endParaRPr lang="en-GB" b="1" dirty="0"/>
+          </a:p>
+        </p:txBody>
+      </p:sp>
+      <p:sp>
+        <p:nvSpPr>
+          <p:cNvPr id="3" name="Content Placeholder 2"/>
+          <p:cNvSpPr>
+            <a:spLocks noGrp="1"/>
+          </p:cNvSpPr>
+          <p:nvPr>
+            <p:ph idx="1"/>
+          </p:nvPr>
+        </p:nvSpPr>
+        <p:spPr/>
+        <p:txBody>
+          <a:bodyPr/>
+          <a:lstStyle/>
+          <a:p>
+            <a:r>
+              <a:rPr lang="en-GB" dirty="0" smtClean="0"/>
+              <a:t>Still popular – </a:t>
+            </a:r>
+            <a:r>
+              <a:rPr lang="en-GB" dirty="0" err="1" smtClean="0"/>
+              <a:t>Clojure</a:t>
+            </a:r>
+            <a:r>
+              <a:rPr lang="en-GB" dirty="0" smtClean="0"/>
+              <a:t>, Racket, etc.</a:t>
+            </a:r>
+          </a:p>
+          <a:p>
+            <a:r>
+              <a:rPr lang="en-GB" dirty="0" smtClean="0"/>
+              <a:t>Good learning language</a:t>
+            </a:r>
+          </a:p>
+          <a:p>
+            <a:r>
+              <a:rPr lang="en-GB" dirty="0" smtClean="0"/>
+              <a:t>Implement your own interpreter!</a:t>
+            </a:r>
+          </a:p>
+          <a:p>
+            <a:r>
+              <a:rPr lang="en-GB" dirty="0" smtClean="0"/>
+              <a:t>See Random Quote #4</a:t>
+            </a:r>
+          </a:p>
+          <a:p>
+            <a:endParaRPr lang="en-GB" dirty="0"/>
+          </a:p>
+        </p:txBody>
+      </p:sp>
+    </p:spTree>
+    <p:extLst>
+      <p:ext uri="{BB962C8B-B14F-4D97-AF65-F5344CB8AC3E}">
+        <p14:creationId xmlns:p14="http://schemas.microsoft.com/office/powerpoint/2010/main" val="2306002447"/>
       </p:ext>
     </p:extLst>
   </p:cSld>
@@ -4001,10 +5607,10 @@
           <a:lstStyle/>
           <a:p>
             <a:r>
-              <a:rPr lang="en-GB" dirty="0" smtClean="0"/>
+              <a:rPr lang="en-GB" b="1" dirty="0" smtClean="0"/>
               <a:t>A Brief History of Scheme</a:t>
             </a:r>
-            <a:endParaRPr lang="en-GB" dirty="0"/>
+            <a:endParaRPr lang="en-GB" b="1" dirty="0"/>
           </a:p>
         </p:txBody>
       </p:sp>
@@ -4033,7 +5639,15 @@
             </a:pPr>
             <a:r>
               <a:rPr lang="en-GB" dirty="0" smtClean="0"/>
-              <a:t>1958: John McCarthy invents Lisp at MIT as a way of (manually) studying computing</a:t>
+              <a:t>1958: John McCarthy invents Lisp (</a:t>
+            </a:r>
+            <a:r>
+              <a:rPr lang="en-GB" dirty="0" err="1" smtClean="0"/>
+              <a:t>LISt</a:t>
+            </a:r>
+            <a:r>
+              <a:rPr lang="en-GB" dirty="0" smtClean="0"/>
+              <a:t> Processor) at MIT as a way of (manually) studying computing</a:t>
             </a:r>
             <a:endParaRPr lang="en-GB" dirty="0"/>
           </a:p>
@@ -4147,6 +5761,245 @@
     <p:extLst>
       <p:ext uri="{BB962C8B-B14F-4D97-AF65-F5344CB8AC3E}">
         <p14:creationId xmlns:p14="http://schemas.microsoft.com/office/powerpoint/2010/main" val="3042051421"/>
+      </p:ext>
+    </p:extLst>
+  </p:cSld>
+  <p:clrMapOvr>
+    <a:masterClrMapping/>
+  </p:clrMapOvr>
+  <p:timing>
+    <p:tnLst>
+      <p:par>
+        <p:cTn id="1" dur="indefinite" restart="never" nodeType="tmRoot"/>
+      </p:par>
+    </p:tnLst>
+  </p:timing>
+</p:sld>
+</file>
+
+<file path=ppt/slides/slide20.xml><?xml version="1.0" encoding="utf-8"?>
+<p:sld xmlns:a="http://schemas.openxmlformats.org/drawingml/2006/main" xmlns:r="http://schemas.openxmlformats.org/officeDocument/2006/relationships" xmlns:p="http://schemas.openxmlformats.org/presentationml/2006/main">
+  <p:cSld>
+    <p:spTree>
+      <p:nvGrpSpPr>
+        <p:cNvPr id="1" name=""/>
+        <p:cNvGrpSpPr/>
+        <p:nvPr/>
+      </p:nvGrpSpPr>
+      <p:grpSpPr>
+        <a:xfrm>
+          <a:off x="0" y="0"/>
+          <a:ext cx="0" cy="0"/>
+          <a:chOff x="0" y="0"/>
+          <a:chExt cx="0" cy="0"/>
+        </a:xfrm>
+      </p:grpSpPr>
+      <p:sp>
+        <p:nvSpPr>
+          <p:cNvPr id="2" name="Title 1"/>
+          <p:cNvSpPr>
+            <a:spLocks noGrp="1"/>
+          </p:cNvSpPr>
+          <p:nvPr>
+            <p:ph type="title"/>
+          </p:nvPr>
+        </p:nvSpPr>
+        <p:spPr/>
+        <p:txBody>
+          <a:bodyPr/>
+          <a:lstStyle/>
+          <a:p>
+            <a:r>
+              <a:rPr lang="en-GB" b="1" dirty="0" smtClean="0"/>
+              <a:t>Random Quote #4</a:t>
+            </a:r>
+            <a:endParaRPr lang="en-GB" b="1" dirty="0"/>
+          </a:p>
+        </p:txBody>
+      </p:sp>
+      <p:sp>
+        <p:nvSpPr>
+          <p:cNvPr id="3" name="Content Placeholder 2"/>
+          <p:cNvSpPr>
+            <a:spLocks noGrp="1"/>
+          </p:cNvSpPr>
+          <p:nvPr>
+            <p:ph idx="1"/>
+          </p:nvPr>
+        </p:nvSpPr>
+        <p:spPr/>
+        <p:txBody>
+          <a:bodyPr>
+            <a:normAutofit/>
+          </a:bodyPr>
+          <a:lstStyle/>
+          <a:p>
+            <a:pPr marL="0" indent="0">
+              <a:buNone/>
+            </a:pPr>
+            <a:r>
+              <a:rPr lang="en-GB" sz="3600" dirty="0" smtClean="0">
+                <a:solidFill>
+                  <a:schemeClr val="accent6">
+                    <a:lumMod val="50000"/>
+                  </a:schemeClr>
+                </a:solidFill>
+                <a:latin typeface="Consolas" panose="020B0609020204030204" pitchFamily="49" charset="0"/>
+                <a:cs typeface="Consolas" panose="020B0609020204030204" pitchFamily="49" charset="0"/>
+              </a:rPr>
+              <a:t>"</a:t>
+            </a:r>
+            <a:r>
+              <a:rPr lang="en-GB" sz="3600" dirty="0">
+                <a:solidFill>
+                  <a:schemeClr val="accent6">
+                    <a:lumMod val="50000"/>
+                  </a:schemeClr>
+                </a:solidFill>
+              </a:rPr>
+              <a:t>Lisp is worth learning for the profound enlightenment experience you will have when you finally get it; that experience will make you a better programmer for the rest of your days, even if you never actually use </a:t>
+            </a:r>
+            <a:r>
+              <a:rPr lang="en-GB" sz="3600" dirty="0" smtClean="0">
+                <a:solidFill>
+                  <a:schemeClr val="accent6">
+                    <a:lumMod val="50000"/>
+                  </a:schemeClr>
+                </a:solidFill>
+              </a:rPr>
+              <a:t>Lisp</a:t>
+            </a:r>
+            <a:r>
+              <a:rPr lang="en-GB" sz="3600" dirty="0" smtClean="0">
+                <a:solidFill>
+                  <a:schemeClr val="accent6">
+                    <a:lumMod val="50000"/>
+                  </a:schemeClr>
+                </a:solidFill>
+                <a:latin typeface="Consolas" panose="020B0609020204030204" pitchFamily="49" charset="0"/>
+                <a:cs typeface="Consolas" panose="020B0609020204030204" pitchFamily="49" charset="0"/>
+              </a:rPr>
+              <a:t>"</a:t>
+            </a:r>
+            <a:r>
+              <a:rPr lang="en-GB" sz="3600" dirty="0" smtClean="0">
+                <a:solidFill>
+                  <a:schemeClr val="tx1">
+                    <a:lumMod val="65000"/>
+                    <a:lumOff val="35000"/>
+                  </a:schemeClr>
+                </a:solidFill>
+                <a:latin typeface="Consolas" panose="020B0609020204030204" pitchFamily="49" charset="0"/>
+                <a:cs typeface="Consolas" panose="020B0609020204030204" pitchFamily="49" charset="0"/>
+              </a:rPr>
+              <a:t/>
+            </a:r>
+            <a:br>
+              <a:rPr lang="en-GB" sz="3600" dirty="0" smtClean="0">
+                <a:solidFill>
+                  <a:schemeClr val="tx1">
+                    <a:lumMod val="65000"/>
+                    <a:lumOff val="35000"/>
+                  </a:schemeClr>
+                </a:solidFill>
+                <a:latin typeface="Consolas" panose="020B0609020204030204" pitchFamily="49" charset="0"/>
+                <a:cs typeface="Consolas" panose="020B0609020204030204" pitchFamily="49" charset="0"/>
+              </a:rPr>
+            </a:br>
+            <a:r>
+              <a:rPr lang="en-GB" sz="3600" dirty="0" smtClean="0">
+                <a:solidFill>
+                  <a:schemeClr val="tx1">
+                    <a:lumMod val="65000"/>
+                    <a:lumOff val="35000"/>
+                  </a:schemeClr>
+                </a:solidFill>
+                <a:latin typeface="Consolas" panose="020B0609020204030204" pitchFamily="49" charset="0"/>
+                <a:cs typeface="Consolas" panose="020B0609020204030204" pitchFamily="49" charset="0"/>
+              </a:rPr>
+              <a:t/>
+            </a:r>
+            <a:br>
+              <a:rPr lang="en-GB" sz="3600" dirty="0" smtClean="0">
+                <a:solidFill>
+                  <a:schemeClr val="tx1">
+                    <a:lumMod val="65000"/>
+                    <a:lumOff val="35000"/>
+                  </a:schemeClr>
+                </a:solidFill>
+                <a:latin typeface="Consolas" panose="020B0609020204030204" pitchFamily="49" charset="0"/>
+                <a:cs typeface="Consolas" panose="020B0609020204030204" pitchFamily="49" charset="0"/>
+              </a:rPr>
+            </a:br>
+            <a:r>
+              <a:rPr lang="en-GB" sz="3600" dirty="0">
+                <a:solidFill>
+                  <a:schemeClr val="tx1">
+                    <a:lumMod val="65000"/>
+                    <a:lumOff val="35000"/>
+                  </a:schemeClr>
+                </a:solidFill>
+              </a:rPr>
+              <a:t>- Eric Raymond, "How to Become a Hacker"</a:t>
+            </a:r>
+            <a:endParaRPr lang="en-GB" sz="3600" dirty="0">
+              <a:solidFill>
+                <a:schemeClr val="tx1">
+                  <a:lumMod val="65000"/>
+                  <a:lumOff val="35000"/>
+                </a:schemeClr>
+              </a:solidFill>
+              <a:latin typeface="Consolas" panose="020B0609020204030204" pitchFamily="49" charset="0"/>
+              <a:cs typeface="Consolas" panose="020B0609020204030204" pitchFamily="49" charset="0"/>
+            </a:endParaRPr>
+          </a:p>
+        </p:txBody>
+      </p:sp>
+      <p:pic>
+        <p:nvPicPr>
+          <p:cNvPr id="5122" name="Picture 2" descr="http://openprojectblog.files.wordpress.com/2012/12/eric-s-raymond-2.jpg"/>
+          <p:cNvPicPr>
+            <a:picLocks noChangeAspect="1" noChangeArrowheads="1"/>
+          </p:cNvPicPr>
+          <p:nvPr/>
+        </p:nvPicPr>
+        <p:blipFill>
+          <a:blip r:embed="rId2">
+            <a:extLst>
+              <a:ext uri="{28A0092B-C50C-407E-A947-70E740481C1C}">
+                <a14:useLocalDpi xmlns:a14="http://schemas.microsoft.com/office/drawing/2010/main" val="0"/>
+              </a:ext>
+            </a:extLst>
+          </a:blip>
+          <a:srcRect/>
+          <a:stretch>
+            <a:fillRect/>
+          </a:stretch>
+        </p:blipFill>
+        <p:spPr bwMode="auto">
+          <a:xfrm>
+            <a:off x="10120669" y="4710112"/>
+            <a:ext cx="1601788" cy="1601788"/>
+          </a:xfrm>
+          <a:prstGeom prst="rect">
+            <a:avLst/>
+          </a:prstGeom>
+          <a:noFill/>
+          <a:extLst>
+            <a:ext uri="{909E8E84-426E-40DD-AFC4-6F175D3DCCD1}">
+              <a14:hiddenFill xmlns:a14="http://schemas.microsoft.com/office/drawing/2010/main">
+                <a:solidFill>
+                  <a:srgbClr val="FFFFFF"/>
+                </a:solidFill>
+              </a14:hiddenFill>
+            </a:ext>
+          </a:extLst>
+        </p:spPr>
+      </p:pic>
+    </p:spTree>
+    <p:extLst>
+      <p:ext uri="{BB962C8B-B14F-4D97-AF65-F5344CB8AC3E}">
+        <p14:creationId xmlns:p14="http://schemas.microsoft.com/office/powerpoint/2010/main" val="2197680828"/>
       </p:ext>
     </p:extLst>
   </p:cSld>
@@ -4189,10 +6042,10 @@
           <a:lstStyle/>
           <a:p>
             <a:r>
-              <a:rPr lang="en-GB" dirty="0" smtClean="0"/>
+              <a:rPr lang="en-GB" b="1" dirty="0" smtClean="0"/>
               <a:t>A Brief History of Scheme</a:t>
             </a:r>
-            <a:endParaRPr lang="en-GB" dirty="0"/>
+            <a:endParaRPr lang="en-GB" b="1" dirty="0"/>
           </a:p>
         </p:txBody>
       </p:sp>
@@ -4453,6 +6306,13 @@
   <p:clrMapOvr>
     <a:masterClrMapping/>
   </p:clrMapOvr>
+  <p:timing>
+    <p:tnLst>
+      <p:par>
+        <p:cTn id="1" dur="indefinite" restart="never" nodeType="tmRoot"/>
+      </p:par>
+    </p:tnLst>
+  </p:timing>
 </p:sld>
 </file>
 
@@ -4489,10 +6349,10 @@
           <a:lstStyle/>
           <a:p>
             <a:r>
-              <a:rPr lang="en-GB" dirty="0" smtClean="0"/>
+              <a:rPr lang="en-GB" b="1" dirty="0" smtClean="0"/>
               <a:t>Random Quote #1</a:t>
             </a:r>
-            <a:endParaRPr lang="en-GB" dirty="0"/>
+            <a:endParaRPr lang="en-GB" b="1" dirty="0"/>
           </a:p>
         </p:txBody>
       </p:sp>
@@ -4517,7 +6377,7 @@
               <a:buNone/>
             </a:pPr>
             <a:r>
-              <a:rPr lang="en-GB" sz="3600" dirty="0">
+              <a:rPr lang="en-GB" sz="3600" dirty="0" smtClean="0">
                 <a:solidFill>
                   <a:schemeClr val="accent6">
                     <a:lumMod val="50000"/>
@@ -4526,7 +6386,31 @@
                 <a:latin typeface="Consolas" panose="020B0609020204030204" pitchFamily="49" charset="0"/>
                 <a:cs typeface="Consolas" panose="020B0609020204030204" pitchFamily="49" charset="0"/>
               </a:rPr>
-              <a:t>"the greatest single programming language ever designed"</a:t>
+              <a:t>“..the </a:t>
+            </a:r>
+            <a:r>
+              <a:rPr lang="en-GB" sz="3600" dirty="0">
+                <a:solidFill>
+                  <a:schemeClr val="accent6">
+                    <a:lumMod val="50000"/>
+                  </a:schemeClr>
+                </a:solidFill>
+                <a:latin typeface="Consolas" panose="020B0609020204030204" pitchFamily="49" charset="0"/>
+                <a:cs typeface="Consolas" panose="020B0609020204030204" pitchFamily="49" charset="0"/>
+              </a:rPr>
+              <a:t>greatest single programming language ever </a:t>
+            </a:r>
+            <a:r>
+              <a:rPr lang="en-GB" sz="3600" dirty="0" smtClean="0">
+                <a:solidFill>
+                  <a:schemeClr val="accent6">
+                    <a:lumMod val="50000"/>
+                  </a:schemeClr>
+                </a:solidFill>
+                <a:latin typeface="Consolas" panose="020B0609020204030204" pitchFamily="49" charset="0"/>
+                <a:cs typeface="Consolas" panose="020B0609020204030204" pitchFamily="49" charset="0"/>
+              </a:rPr>
+              <a:t>designed."</a:t>
             </a:r>
             <a:r>
               <a:rPr lang="en-GB" sz="3600" dirty="0" smtClean="0">
@@ -4628,6 +6512,13 @@
   <p:clrMapOvr>
     <a:masterClrMapping/>
   </p:clrMapOvr>
+  <p:timing>
+    <p:tnLst>
+      <p:par>
+        <p:cTn id="1" dur="indefinite" restart="never" nodeType="tmRoot"/>
+      </p:par>
+    </p:tnLst>
+  </p:timing>
 </p:sld>
 </file>
 
@@ -4664,10 +6555,10 @@
           <a:lstStyle/>
           <a:p>
             <a:r>
-              <a:rPr lang="en-GB" dirty="0" smtClean="0"/>
+              <a:rPr lang="en-GB" b="1" dirty="0" smtClean="0"/>
               <a:t>A Brief History of Scheme</a:t>
             </a:r>
-            <a:endParaRPr lang="en-GB" dirty="0"/>
+            <a:endParaRPr lang="en-GB" b="1" dirty="0"/>
           </a:p>
         </p:txBody>
       </p:sp>
@@ -4684,11 +6575,13 @@
         <p:spPr>
           <a:xfrm>
             <a:off x="838200" y="1606378"/>
-            <a:ext cx="10515600" cy="4570585"/>
-          </a:xfrm>
-        </p:spPr>
-        <p:txBody>
-          <a:bodyPr/>
+            <a:ext cx="10515600" cy="4868313"/>
+          </a:xfrm>
+        </p:spPr>
+        <p:txBody>
+          <a:bodyPr>
+            <a:normAutofit/>
+          </a:bodyPr>
           <a:lstStyle/>
           <a:p>
             <a:pPr marL="0" indent="0">
@@ -4704,7 +6597,7 @@
             </a:r>
             <a:r>
               <a:rPr lang="en-GB" dirty="0" smtClean="0"/>
-              <a:t> create Lisp-based language Schemer to study the newly-proposed actor model</a:t>
+              <a:t> at MIT create Lisp-based language Schemer to study the newly-proposed actor model</a:t>
             </a:r>
           </a:p>
           <a:p>
@@ -4735,9 +6628,15 @@
             <a:pPr marL="0" indent="0">
               <a:buNone/>
             </a:pPr>
+            <a:endParaRPr lang="en-GB" dirty="0" smtClean="0"/>
+          </a:p>
+          <a:p>
+            <a:pPr marL="0" indent="0">
+              <a:buNone/>
+            </a:pPr>
             <a:r>
               <a:rPr lang="en-GB" dirty="0" smtClean="0"/>
-              <a:t>Schemer turns out to be a pretty good language – unfortunately the PDP-10 filesystem only allowed 6 characters, so Scheme is born!</a:t>
+              <a:t>Schemer turns out to be a good language in its own right – unfortunately their OS only allowed 6 characters, so Scheme is born!</a:t>
             </a:r>
           </a:p>
           <a:p>
@@ -4745,7 +6644,7 @@
               <a:buNone/>
             </a:pPr>
             <a:r>
-              <a:rPr lang="en-GB" b="1" dirty="0" err="1" smtClean="0">
+              <a:rPr lang="en-GB" b="1" dirty="0" smtClean="0">
                 <a:solidFill>
                   <a:schemeClr val="accent6">
                     <a:lumMod val="75000"/>
@@ -4754,25 +6653,21 @@
                 <a:latin typeface="Consolas" panose="020B0609020204030204" pitchFamily="49" charset="0"/>
                 <a:cs typeface="Consolas" panose="020B0609020204030204" pitchFamily="49" charset="0"/>
               </a:rPr>
-              <a:t>Scheme.</a:t>
-            </a:r>
-            <a:r>
-              <a:rPr lang="en-GB" b="1" strike="dblStrike" dirty="0" err="1" smtClean="0">
-                <a:solidFill>
-                  <a:schemeClr val="accent6">
-                    <a:lumMod val="75000"/>
-                  </a:schemeClr>
+              <a:t>Scheme</a:t>
+            </a:r>
+            <a:r>
+              <a:rPr lang="en-GB" b="1" dirty="0" smtClean="0">
+                <a:solidFill>
+                  <a:srgbClr val="FF0000"/>
                 </a:solidFill>
                 <a:latin typeface="Consolas" panose="020B0609020204030204" pitchFamily="49" charset="0"/>
                 <a:cs typeface="Consolas" panose="020B0609020204030204" pitchFamily="49" charset="0"/>
               </a:rPr>
               <a:t>r</a:t>
             </a:r>
-            <a:endParaRPr lang="en-GB" b="1" strike="dblStrike" dirty="0">
+            <a:endParaRPr lang="en-GB" b="1" dirty="0">
               <a:solidFill>
-                <a:schemeClr val="accent6">
-                  <a:lumMod val="75000"/>
-                </a:schemeClr>
+                <a:srgbClr val="FF0000"/>
               </a:solidFill>
               <a:latin typeface="Consolas" panose="020B0609020204030204" pitchFamily="49" charset="0"/>
               <a:cs typeface="Consolas" panose="020B0609020204030204" pitchFamily="49" charset="0"/>
@@ -4803,7 +6698,7 @@
         </p:blipFill>
         <p:spPr bwMode="auto">
           <a:xfrm>
-            <a:off x="5807106" y="2528975"/>
+            <a:off x="5991834" y="2843012"/>
             <a:ext cx="1495425" cy="1828800"/>
           </a:xfrm>
           <a:prstGeom prst="rect">
@@ -4844,7 +6739,7 @@
         </p:blipFill>
         <p:spPr bwMode="auto">
           <a:xfrm>
-            <a:off x="3994413" y="2528975"/>
+            <a:off x="4160668" y="2843012"/>
             <a:ext cx="1438578" cy="1828800"/>
           </a:xfrm>
           <a:prstGeom prst="rect">
@@ -4872,6 +6767,13 @@
   <p:clrMapOvr>
     <a:masterClrMapping/>
   </p:clrMapOvr>
+  <p:timing>
+    <p:tnLst>
+      <p:par>
+        <p:cTn id="1" dur="indefinite" restart="never" nodeType="tmRoot"/>
+      </p:par>
+    </p:tnLst>
+  </p:timing>
 </p:sld>
 </file>
 
@@ -4908,57 +6810,31 @@
           <a:lstStyle/>
           <a:p>
             <a:r>
-              <a:rPr lang="en-GB" dirty="0" smtClean="0"/>
-              <a:t>Family Tree</a:t>
-            </a:r>
-            <a:endParaRPr lang="en-GB" dirty="0"/>
-          </a:p>
-        </p:txBody>
-      </p:sp>
-      <p:pic>
-        <p:nvPicPr>
-          <p:cNvPr id="4" name="Picture 3"/>
-          <p:cNvPicPr>
-            <a:picLocks noChangeAspect="1"/>
-          </p:cNvPicPr>
+              <a:rPr lang="en-GB" b="1" dirty="0"/>
+              <a:t>Family </a:t>
+            </a:r>
+            <a:r>
+              <a:rPr lang="en-GB" b="1" dirty="0" smtClean="0"/>
+              <a:t>Tree: Lisps</a:t>
+            </a:r>
+            <a:endParaRPr lang="en-GB" b="1" dirty="0"/>
+          </a:p>
+        </p:txBody>
+      </p:sp>
+      <p:sp>
+        <p:nvSpPr>
+          <p:cNvPr id="4" name="Rectangle 3"/>
+          <p:cNvSpPr/>
           <p:nvPr/>
-        </p:nvPicPr>
-        <p:blipFill>
-          <a:blip r:embed="rId2"/>
-          <a:stretch>
-            <a:fillRect/>
-          </a:stretch>
-        </p:blipFill>
+        </p:nvSpPr>
         <p:spPr>
           <a:xfrm>
-            <a:off x="522513" y="1580891"/>
-            <a:ext cx="10645209" cy="5036167"/>
+            <a:off x="5539946" y="1690688"/>
+            <a:ext cx="1112108" cy="568410"/>
           </a:xfrm>
           <a:prstGeom prst="rect">
             <a:avLst/>
           </a:prstGeom>
-        </p:spPr>
-      </p:pic>
-      <p:sp>
-        <p:nvSpPr>
-          <p:cNvPr id="5" name="Oval 4"/>
-          <p:cNvSpPr/>
-          <p:nvPr/>
-        </p:nvSpPr>
-        <p:spPr>
-          <a:xfrm>
-            <a:off x="9433249" y="2435290"/>
-            <a:ext cx="1362269" cy="662473"/>
-          </a:xfrm>
-          <a:prstGeom prst="ellipse">
-            <a:avLst/>
-          </a:prstGeom>
-          <a:noFill/>
-          <a:ln w="38100">
-            <a:solidFill>
-              <a:srgbClr val="FF0000"/>
-            </a:solidFill>
-          </a:ln>
         </p:spPr>
         <p:style>
           <a:lnRef idx="2">
@@ -4981,30 +6857,28 @@
           <a:lstStyle/>
           <a:p>
             <a:pPr algn="ctr"/>
-            <a:endParaRPr lang="en-GB"/>
-          </a:p>
-        </p:txBody>
-      </p:sp>
-      <p:sp>
-        <p:nvSpPr>
-          <p:cNvPr id="6" name="Oval 5"/>
+            <a:r>
+              <a:rPr lang="en-GB" dirty="0" smtClean="0"/>
+              <a:t>Lisp</a:t>
+            </a:r>
+            <a:endParaRPr lang="en-GB" dirty="0"/>
+          </a:p>
+        </p:txBody>
+      </p:sp>
+      <p:sp>
+        <p:nvSpPr>
+          <p:cNvPr id="5" name="Rectangle 4"/>
           <p:cNvSpPr/>
           <p:nvPr/>
         </p:nvSpPr>
         <p:spPr>
           <a:xfrm>
-            <a:off x="2046515" y="3343470"/>
-            <a:ext cx="1362269" cy="662473"/>
-          </a:xfrm>
-          <a:prstGeom prst="ellipse">
+            <a:off x="4629665" y="3087002"/>
+            <a:ext cx="1112108" cy="568410"/>
+          </a:xfrm>
+          <a:prstGeom prst="rect">
             <a:avLst/>
           </a:prstGeom>
-          <a:noFill/>
-          <a:ln w="38100">
-            <a:solidFill>
-              <a:srgbClr val="FF0000"/>
-            </a:solidFill>
-          </a:ln>
         </p:spPr>
         <p:style>
           <a:lnRef idx="2">
@@ -5027,20 +6901,641 @@
           <a:lstStyle/>
           <a:p>
             <a:pPr algn="ctr"/>
-            <a:endParaRPr lang="en-GB"/>
-          </a:p>
-        </p:txBody>
-      </p:sp>
+            <a:r>
+              <a:rPr lang="en-GB" dirty="0" smtClean="0"/>
+              <a:t>Common Lisp</a:t>
+            </a:r>
+            <a:endParaRPr lang="en-GB" dirty="0"/>
+          </a:p>
+        </p:txBody>
+      </p:sp>
+      <p:sp>
+        <p:nvSpPr>
+          <p:cNvPr id="6" name="Rectangle 5"/>
+          <p:cNvSpPr/>
+          <p:nvPr/>
+        </p:nvSpPr>
+        <p:spPr>
+          <a:xfrm>
+            <a:off x="6512011" y="3087002"/>
+            <a:ext cx="1112108" cy="568410"/>
+          </a:xfrm>
+          <a:prstGeom prst="rect">
+            <a:avLst/>
+          </a:prstGeom>
+        </p:spPr>
+        <p:style>
+          <a:lnRef idx="2">
+            <a:schemeClr val="accent1">
+              <a:shade val="50000"/>
+            </a:schemeClr>
+          </a:lnRef>
+          <a:fillRef idx="1">
+            <a:schemeClr val="accent1"/>
+          </a:fillRef>
+          <a:effectRef idx="0">
+            <a:schemeClr val="accent1"/>
+          </a:effectRef>
+          <a:fontRef idx="minor">
+            <a:schemeClr val="lt1"/>
+          </a:fontRef>
+        </p:style>
+        <p:txBody>
+          <a:bodyPr rtlCol="0" anchor="ctr"/>
+          <a:lstStyle/>
+          <a:p>
+            <a:pPr algn="ctr"/>
+            <a:r>
+              <a:rPr lang="en-GB" dirty="0" smtClean="0"/>
+              <a:t>Scheme</a:t>
+            </a:r>
+            <a:endParaRPr lang="en-GB" dirty="0"/>
+          </a:p>
+        </p:txBody>
+      </p:sp>
+      <p:cxnSp>
+        <p:nvCxnSpPr>
+          <p:cNvPr id="8" name="Straight Connector 7"/>
+          <p:cNvCxnSpPr>
+            <a:stCxn id="4" idx="2"/>
+          </p:cNvCxnSpPr>
+          <p:nvPr/>
+        </p:nvCxnSpPr>
+        <p:spPr>
+          <a:xfrm>
+            <a:off x="6096000" y="2259098"/>
+            <a:ext cx="8238" cy="442913"/>
+          </a:xfrm>
+          <a:prstGeom prst="line">
+            <a:avLst/>
+          </a:prstGeom>
+          <a:ln w="38100"/>
+        </p:spPr>
+        <p:style>
+          <a:lnRef idx="1">
+            <a:schemeClr val="accent1"/>
+          </a:lnRef>
+          <a:fillRef idx="0">
+            <a:schemeClr val="accent1"/>
+          </a:fillRef>
+          <a:effectRef idx="0">
+            <a:schemeClr val="accent1"/>
+          </a:effectRef>
+          <a:fontRef idx="minor">
+            <a:schemeClr val="tx1"/>
+          </a:fontRef>
+        </p:style>
+      </p:cxnSp>
+      <p:cxnSp>
+        <p:nvCxnSpPr>
+          <p:cNvPr id="9" name="Straight Connector 8"/>
+          <p:cNvCxnSpPr/>
+          <p:nvPr/>
+        </p:nvCxnSpPr>
+        <p:spPr>
+          <a:xfrm>
+            <a:off x="5185719" y="2666276"/>
+            <a:ext cx="8238" cy="442913"/>
+          </a:xfrm>
+          <a:prstGeom prst="line">
+            <a:avLst/>
+          </a:prstGeom>
+          <a:ln w="38100"/>
+        </p:spPr>
+        <p:style>
+          <a:lnRef idx="1">
+            <a:schemeClr val="accent1"/>
+          </a:lnRef>
+          <a:fillRef idx="0">
+            <a:schemeClr val="accent1"/>
+          </a:fillRef>
+          <a:effectRef idx="0">
+            <a:schemeClr val="accent1"/>
+          </a:effectRef>
+          <a:fontRef idx="minor">
+            <a:schemeClr val="tx1"/>
+          </a:fontRef>
+        </p:style>
+      </p:cxnSp>
+      <p:cxnSp>
+        <p:nvCxnSpPr>
+          <p:cNvPr id="10" name="Straight Connector 9"/>
+          <p:cNvCxnSpPr/>
+          <p:nvPr/>
+        </p:nvCxnSpPr>
+        <p:spPr>
+          <a:xfrm>
+            <a:off x="7059827" y="2666275"/>
+            <a:ext cx="8238" cy="442913"/>
+          </a:xfrm>
+          <a:prstGeom prst="line">
+            <a:avLst/>
+          </a:prstGeom>
+          <a:ln w="38100"/>
+        </p:spPr>
+        <p:style>
+          <a:lnRef idx="1">
+            <a:schemeClr val="accent1"/>
+          </a:lnRef>
+          <a:fillRef idx="0">
+            <a:schemeClr val="accent1"/>
+          </a:fillRef>
+          <a:effectRef idx="0">
+            <a:schemeClr val="accent1"/>
+          </a:effectRef>
+          <a:fontRef idx="minor">
+            <a:schemeClr val="tx1"/>
+          </a:fontRef>
+        </p:style>
+      </p:cxnSp>
+      <p:cxnSp>
+        <p:nvCxnSpPr>
+          <p:cNvPr id="11" name="Straight Connector 10"/>
+          <p:cNvCxnSpPr/>
+          <p:nvPr/>
+        </p:nvCxnSpPr>
+        <p:spPr>
+          <a:xfrm flipV="1">
+            <a:off x="5185719" y="2679824"/>
+            <a:ext cx="1874108" cy="1938"/>
+          </a:xfrm>
+          <a:prstGeom prst="line">
+            <a:avLst/>
+          </a:prstGeom>
+          <a:ln w="38100"/>
+        </p:spPr>
+        <p:style>
+          <a:lnRef idx="1">
+            <a:schemeClr val="accent1"/>
+          </a:lnRef>
+          <a:fillRef idx="0">
+            <a:schemeClr val="accent1"/>
+          </a:fillRef>
+          <a:effectRef idx="0">
+            <a:schemeClr val="accent1"/>
+          </a:effectRef>
+          <a:fontRef idx="minor">
+            <a:schemeClr val="tx1"/>
+          </a:fontRef>
+        </p:style>
+      </p:cxnSp>
+      <p:cxnSp>
+        <p:nvCxnSpPr>
+          <p:cNvPr id="15" name="Straight Connector 14"/>
+          <p:cNvCxnSpPr/>
+          <p:nvPr/>
+        </p:nvCxnSpPr>
+        <p:spPr>
+          <a:xfrm>
+            <a:off x="5217365" y="3583321"/>
+            <a:ext cx="8238" cy="442913"/>
+          </a:xfrm>
+          <a:prstGeom prst="line">
+            <a:avLst/>
+          </a:prstGeom>
+          <a:ln w="38100"/>
+        </p:spPr>
+        <p:style>
+          <a:lnRef idx="1">
+            <a:schemeClr val="accent1"/>
+          </a:lnRef>
+          <a:fillRef idx="0">
+            <a:schemeClr val="accent1"/>
+          </a:fillRef>
+          <a:effectRef idx="0">
+            <a:schemeClr val="accent1"/>
+          </a:effectRef>
+          <a:fontRef idx="minor">
+            <a:schemeClr val="tx1"/>
+          </a:fontRef>
+        </p:style>
+      </p:cxnSp>
+      <p:cxnSp>
+        <p:nvCxnSpPr>
+          <p:cNvPr id="16" name="Straight Connector 15"/>
+          <p:cNvCxnSpPr/>
+          <p:nvPr/>
+        </p:nvCxnSpPr>
+        <p:spPr>
+          <a:xfrm>
+            <a:off x="4760207" y="3981568"/>
+            <a:ext cx="8238" cy="442913"/>
+          </a:xfrm>
+          <a:prstGeom prst="line">
+            <a:avLst/>
+          </a:prstGeom>
+          <a:ln w="38100"/>
+        </p:spPr>
+        <p:style>
+          <a:lnRef idx="1">
+            <a:schemeClr val="accent1"/>
+          </a:lnRef>
+          <a:fillRef idx="0">
+            <a:schemeClr val="accent1"/>
+          </a:fillRef>
+          <a:effectRef idx="0">
+            <a:schemeClr val="accent1"/>
+          </a:effectRef>
+          <a:fontRef idx="minor">
+            <a:schemeClr val="tx1"/>
+          </a:fontRef>
+        </p:style>
+      </p:cxnSp>
+      <p:cxnSp>
+        <p:nvCxnSpPr>
+          <p:cNvPr id="17" name="Straight Connector 16"/>
+          <p:cNvCxnSpPr/>
+          <p:nvPr/>
+        </p:nvCxnSpPr>
+        <p:spPr>
+          <a:xfrm>
+            <a:off x="5714326" y="4004047"/>
+            <a:ext cx="8238" cy="442913"/>
+          </a:xfrm>
+          <a:prstGeom prst="line">
+            <a:avLst/>
+          </a:prstGeom>
+          <a:ln w="38100"/>
+        </p:spPr>
+        <p:style>
+          <a:lnRef idx="1">
+            <a:schemeClr val="accent1"/>
+          </a:lnRef>
+          <a:fillRef idx="0">
+            <a:schemeClr val="accent1"/>
+          </a:fillRef>
+          <a:effectRef idx="0">
+            <a:schemeClr val="accent1"/>
+          </a:effectRef>
+          <a:fontRef idx="minor">
+            <a:schemeClr val="tx1"/>
+          </a:fontRef>
+        </p:style>
+      </p:cxnSp>
+      <p:cxnSp>
+        <p:nvCxnSpPr>
+          <p:cNvPr id="18" name="Straight Connector 17"/>
+          <p:cNvCxnSpPr/>
+          <p:nvPr/>
+        </p:nvCxnSpPr>
+        <p:spPr>
+          <a:xfrm>
+            <a:off x="4768445" y="4001085"/>
+            <a:ext cx="954119" cy="0"/>
+          </a:xfrm>
+          <a:prstGeom prst="line">
+            <a:avLst/>
+          </a:prstGeom>
+          <a:ln w="38100"/>
+        </p:spPr>
+        <p:style>
+          <a:lnRef idx="1">
+            <a:schemeClr val="accent1"/>
+          </a:lnRef>
+          <a:fillRef idx="0">
+            <a:schemeClr val="accent1"/>
+          </a:fillRef>
+          <a:effectRef idx="0">
+            <a:schemeClr val="accent1"/>
+          </a:effectRef>
+          <a:fontRef idx="minor">
+            <a:schemeClr val="tx1"/>
+          </a:fontRef>
+        </p:style>
+      </p:cxnSp>
+      <p:cxnSp>
+        <p:nvCxnSpPr>
+          <p:cNvPr id="21" name="Straight Connector 20"/>
+          <p:cNvCxnSpPr/>
+          <p:nvPr/>
+        </p:nvCxnSpPr>
+        <p:spPr>
+          <a:xfrm>
+            <a:off x="7100974" y="3586230"/>
+            <a:ext cx="8238" cy="442913"/>
+          </a:xfrm>
+          <a:prstGeom prst="line">
+            <a:avLst/>
+          </a:prstGeom>
+          <a:ln w="38100"/>
+        </p:spPr>
+        <p:style>
+          <a:lnRef idx="1">
+            <a:schemeClr val="accent1"/>
+          </a:lnRef>
+          <a:fillRef idx="0">
+            <a:schemeClr val="accent1"/>
+          </a:fillRef>
+          <a:effectRef idx="0">
+            <a:schemeClr val="accent1"/>
+          </a:effectRef>
+          <a:fontRef idx="minor">
+            <a:schemeClr val="tx1"/>
+          </a:fontRef>
+        </p:style>
+      </p:cxnSp>
+      <p:cxnSp>
+        <p:nvCxnSpPr>
+          <p:cNvPr id="22" name="Straight Connector 21"/>
+          <p:cNvCxnSpPr/>
+          <p:nvPr/>
+        </p:nvCxnSpPr>
+        <p:spPr>
+          <a:xfrm>
+            <a:off x="6643816" y="3984477"/>
+            <a:ext cx="8238" cy="442913"/>
+          </a:xfrm>
+          <a:prstGeom prst="line">
+            <a:avLst/>
+          </a:prstGeom>
+          <a:ln w="38100"/>
+        </p:spPr>
+        <p:style>
+          <a:lnRef idx="1">
+            <a:schemeClr val="accent1"/>
+          </a:lnRef>
+          <a:fillRef idx="0">
+            <a:schemeClr val="accent1"/>
+          </a:fillRef>
+          <a:effectRef idx="0">
+            <a:schemeClr val="accent1"/>
+          </a:effectRef>
+          <a:fontRef idx="minor">
+            <a:schemeClr val="tx1"/>
+          </a:fontRef>
+        </p:style>
+      </p:cxnSp>
+      <p:cxnSp>
+        <p:nvCxnSpPr>
+          <p:cNvPr id="23" name="Straight Connector 22"/>
+          <p:cNvCxnSpPr/>
+          <p:nvPr/>
+        </p:nvCxnSpPr>
+        <p:spPr>
+          <a:xfrm>
+            <a:off x="7597935" y="4006956"/>
+            <a:ext cx="8238" cy="442913"/>
+          </a:xfrm>
+          <a:prstGeom prst="line">
+            <a:avLst/>
+          </a:prstGeom>
+          <a:ln w="38100"/>
+        </p:spPr>
+        <p:style>
+          <a:lnRef idx="1">
+            <a:schemeClr val="accent1"/>
+          </a:lnRef>
+          <a:fillRef idx="0">
+            <a:schemeClr val="accent1"/>
+          </a:fillRef>
+          <a:effectRef idx="0">
+            <a:schemeClr val="accent1"/>
+          </a:effectRef>
+          <a:fontRef idx="minor">
+            <a:schemeClr val="tx1"/>
+          </a:fontRef>
+        </p:style>
+      </p:cxnSp>
+      <p:cxnSp>
+        <p:nvCxnSpPr>
+          <p:cNvPr id="24" name="Straight Connector 23"/>
+          <p:cNvCxnSpPr/>
+          <p:nvPr/>
+        </p:nvCxnSpPr>
+        <p:spPr>
+          <a:xfrm>
+            <a:off x="6652054" y="4003994"/>
+            <a:ext cx="954119" cy="0"/>
+          </a:xfrm>
+          <a:prstGeom prst="line">
+            <a:avLst/>
+          </a:prstGeom>
+          <a:ln w="38100"/>
+        </p:spPr>
+        <p:style>
+          <a:lnRef idx="1">
+            <a:schemeClr val="accent1"/>
+          </a:lnRef>
+          <a:fillRef idx="0">
+            <a:schemeClr val="accent1"/>
+          </a:fillRef>
+          <a:effectRef idx="0">
+            <a:schemeClr val="accent1"/>
+          </a:effectRef>
+          <a:fontRef idx="minor">
+            <a:schemeClr val="tx1"/>
+          </a:fontRef>
+        </p:style>
+      </p:cxnSp>
+      <p:sp>
+        <p:nvSpPr>
+          <p:cNvPr id="25" name="TextBox 24"/>
+          <p:cNvSpPr txBox="1"/>
+          <p:nvPr/>
+        </p:nvSpPr>
+        <p:spPr>
+          <a:xfrm>
+            <a:off x="5539946" y="4867060"/>
+            <a:ext cx="1364707" cy="369332"/>
+          </a:xfrm>
+          <a:prstGeom prst="rect">
+            <a:avLst/>
+          </a:prstGeom>
+          <a:noFill/>
+        </p:spPr>
+        <p:txBody>
+          <a:bodyPr wrap="square" rtlCol="0">
+            <a:spAutoFit/>
+          </a:bodyPr>
+          <a:lstStyle/>
+          <a:p>
+            <a:r>
+              <a:rPr lang="en-GB" dirty="0" smtClean="0">
+                <a:solidFill>
+                  <a:schemeClr val="accent5"/>
+                </a:solidFill>
+              </a:rPr>
+              <a:t>Other Stuff</a:t>
+            </a:r>
+            <a:endParaRPr lang="en-GB" dirty="0">
+              <a:solidFill>
+                <a:schemeClr val="accent5"/>
+              </a:solidFill>
+            </a:endParaRPr>
+          </a:p>
+        </p:txBody>
+      </p:sp>
+      <p:sp>
+        <p:nvSpPr>
+          <p:cNvPr id="3" name="TextBox 2"/>
+          <p:cNvSpPr txBox="1"/>
+          <p:nvPr/>
+        </p:nvSpPr>
+        <p:spPr>
+          <a:xfrm>
+            <a:off x="8468413" y="3109188"/>
+            <a:ext cx="1204429" cy="830997"/>
+          </a:xfrm>
+          <a:prstGeom prst="rect">
+            <a:avLst/>
+          </a:prstGeom>
+          <a:noFill/>
+        </p:spPr>
+        <p:txBody>
+          <a:bodyPr wrap="square" rtlCol="0">
+            <a:spAutoFit/>
+          </a:bodyPr>
+          <a:lstStyle/>
+          <a:p>
+            <a:pPr algn="ctr"/>
+            <a:r>
+              <a:rPr lang="en-GB" sz="1600" dirty="0" smtClean="0">
+                <a:solidFill>
+                  <a:srgbClr val="C00000"/>
+                </a:solidFill>
+              </a:rPr>
+              <a:t>Minimal, mainly functional</a:t>
+            </a:r>
+            <a:endParaRPr lang="en-GB" sz="1600" dirty="0">
+              <a:solidFill>
+                <a:srgbClr val="C00000"/>
+              </a:solidFill>
+            </a:endParaRPr>
+          </a:p>
+        </p:txBody>
+      </p:sp>
+      <p:sp>
+        <p:nvSpPr>
+          <p:cNvPr id="20" name="TextBox 19"/>
+          <p:cNvSpPr txBox="1"/>
+          <p:nvPr/>
+        </p:nvSpPr>
+        <p:spPr>
+          <a:xfrm>
+            <a:off x="2799666" y="2983156"/>
+            <a:ext cx="1121676" cy="1077218"/>
+          </a:xfrm>
+          <a:prstGeom prst="rect">
+            <a:avLst/>
+          </a:prstGeom>
+          <a:noFill/>
+        </p:spPr>
+        <p:txBody>
+          <a:bodyPr wrap="square" rtlCol="0">
+            <a:spAutoFit/>
+          </a:bodyPr>
+          <a:lstStyle/>
+          <a:p>
+            <a:pPr algn="ctr"/>
+            <a:r>
+              <a:rPr lang="en-GB" sz="1600" dirty="0" smtClean="0">
+                <a:solidFill>
+                  <a:srgbClr val="C00000"/>
+                </a:solidFill>
+              </a:rPr>
+              <a:t>Fully-featured, multi-paradigm</a:t>
+            </a:r>
+            <a:endParaRPr lang="en-GB" sz="1600" dirty="0">
+              <a:solidFill>
+                <a:srgbClr val="C00000"/>
+              </a:solidFill>
+            </a:endParaRPr>
+          </a:p>
+        </p:txBody>
+      </p:sp>
+      <p:cxnSp>
+        <p:nvCxnSpPr>
+          <p:cNvPr id="12" name="Straight Connector 11"/>
+          <p:cNvCxnSpPr>
+            <a:stCxn id="3" idx="1"/>
+            <a:endCxn id="6" idx="3"/>
+          </p:cNvCxnSpPr>
+          <p:nvPr/>
+        </p:nvCxnSpPr>
+        <p:spPr>
+          <a:xfrm flipH="1" flipV="1">
+            <a:off x="7624119" y="3371207"/>
+            <a:ext cx="844294" cy="153480"/>
+          </a:xfrm>
+          <a:prstGeom prst="line">
+            <a:avLst/>
+          </a:prstGeom>
+          <a:ln w="19050">
+            <a:solidFill>
+              <a:srgbClr val="C00000"/>
+            </a:solidFill>
+          </a:ln>
+        </p:spPr>
+        <p:style>
+          <a:lnRef idx="1">
+            <a:schemeClr val="accent1"/>
+          </a:lnRef>
+          <a:fillRef idx="0">
+            <a:schemeClr val="accent1"/>
+          </a:fillRef>
+          <a:effectRef idx="0">
+            <a:schemeClr val="accent1"/>
+          </a:effectRef>
+          <a:fontRef idx="minor">
+            <a:schemeClr val="tx1"/>
+          </a:fontRef>
+        </p:style>
+      </p:cxnSp>
+      <p:cxnSp>
+        <p:nvCxnSpPr>
+          <p:cNvPr id="14" name="Straight Connector 13"/>
+          <p:cNvCxnSpPr>
+            <a:stCxn id="20" idx="3"/>
+            <a:endCxn id="5" idx="1"/>
+          </p:cNvCxnSpPr>
+          <p:nvPr/>
+        </p:nvCxnSpPr>
+        <p:spPr>
+          <a:xfrm flipV="1">
+            <a:off x="3921342" y="3371207"/>
+            <a:ext cx="708323" cy="150558"/>
+          </a:xfrm>
+          <a:prstGeom prst="line">
+            <a:avLst/>
+          </a:prstGeom>
+          <a:ln w="19050">
+            <a:solidFill>
+              <a:srgbClr val="C00000"/>
+            </a:solidFill>
+          </a:ln>
+        </p:spPr>
+        <p:style>
+          <a:lnRef idx="1">
+            <a:schemeClr val="accent1"/>
+          </a:lnRef>
+          <a:fillRef idx="0">
+            <a:schemeClr val="accent1"/>
+          </a:fillRef>
+          <a:effectRef idx="0">
+            <a:schemeClr val="accent1"/>
+          </a:effectRef>
+          <a:fontRef idx="minor">
+            <a:schemeClr val="tx1"/>
+          </a:fontRef>
+        </p:style>
+      </p:cxnSp>
     </p:spTree>
     <p:extLst>
       <p:ext uri="{BB962C8B-B14F-4D97-AF65-F5344CB8AC3E}">
-        <p14:creationId xmlns:p14="http://schemas.microsoft.com/office/powerpoint/2010/main" val="987209150"/>
+        <p14:creationId xmlns:p14="http://schemas.microsoft.com/office/powerpoint/2010/main" val="191481916"/>
       </p:ext>
     </p:extLst>
   </p:cSld>
   <p:clrMapOvr>
     <a:masterClrMapping/>
   </p:clrMapOvr>
+  <p:timing>
+    <p:tnLst>
+      <p:par>
+        <p:cTn id="1" dur="indefinite" restart="never" nodeType="tmRoot"/>
+      </p:par>
+    </p:tnLst>
+  </p:timing>
 </p:sld>
 </file>
 
@@ -5077,10 +7572,189 @@
           <a:lstStyle/>
           <a:p>
             <a:r>
-              <a:rPr lang="en-GB" dirty="0" smtClean="0"/>
-              <a:t>Family Tree</a:t>
-            </a:r>
-            <a:endParaRPr lang="en-GB" dirty="0"/>
+              <a:rPr lang="en-GB" b="1" dirty="0" smtClean="0"/>
+              <a:t>Family Tree: General</a:t>
+            </a:r>
+            <a:endParaRPr lang="en-GB" b="1" dirty="0"/>
+          </a:p>
+        </p:txBody>
+      </p:sp>
+      <p:pic>
+        <p:nvPicPr>
+          <p:cNvPr id="4" name="Picture 3"/>
+          <p:cNvPicPr>
+            <a:picLocks noChangeAspect="1"/>
+          </p:cNvPicPr>
+          <p:nvPr/>
+        </p:nvPicPr>
+        <p:blipFill>
+          <a:blip r:embed="rId2"/>
+          <a:stretch>
+            <a:fillRect/>
+          </a:stretch>
+        </p:blipFill>
+        <p:spPr>
+          <a:xfrm>
+            <a:off x="522513" y="1580891"/>
+            <a:ext cx="10645209" cy="5036167"/>
+          </a:xfrm>
+          <a:prstGeom prst="rect">
+            <a:avLst/>
+          </a:prstGeom>
+        </p:spPr>
+      </p:pic>
+      <p:sp>
+        <p:nvSpPr>
+          <p:cNvPr id="5" name="Oval 4"/>
+          <p:cNvSpPr/>
+          <p:nvPr/>
+        </p:nvSpPr>
+        <p:spPr>
+          <a:xfrm>
+            <a:off x="9433249" y="2435290"/>
+            <a:ext cx="1362269" cy="662473"/>
+          </a:xfrm>
+          <a:prstGeom prst="ellipse">
+            <a:avLst/>
+          </a:prstGeom>
+          <a:noFill/>
+          <a:ln w="38100">
+            <a:solidFill>
+              <a:srgbClr val="FF0000"/>
+            </a:solidFill>
+          </a:ln>
+        </p:spPr>
+        <p:style>
+          <a:lnRef idx="2">
+            <a:schemeClr val="accent1">
+              <a:shade val="50000"/>
+            </a:schemeClr>
+          </a:lnRef>
+          <a:fillRef idx="1">
+            <a:schemeClr val="accent1"/>
+          </a:fillRef>
+          <a:effectRef idx="0">
+            <a:schemeClr val="accent1"/>
+          </a:effectRef>
+          <a:fontRef idx="minor">
+            <a:schemeClr val="lt1"/>
+          </a:fontRef>
+        </p:style>
+        <p:txBody>
+          <a:bodyPr rtlCol="0" anchor="ctr"/>
+          <a:lstStyle/>
+          <a:p>
+            <a:pPr algn="ctr"/>
+            <a:endParaRPr lang="en-GB"/>
+          </a:p>
+        </p:txBody>
+      </p:sp>
+      <p:sp>
+        <p:nvSpPr>
+          <p:cNvPr id="6" name="Oval 5"/>
+          <p:cNvSpPr/>
+          <p:nvPr/>
+        </p:nvSpPr>
+        <p:spPr>
+          <a:xfrm>
+            <a:off x="2046515" y="3343470"/>
+            <a:ext cx="1362269" cy="662473"/>
+          </a:xfrm>
+          <a:prstGeom prst="ellipse">
+            <a:avLst/>
+          </a:prstGeom>
+          <a:noFill/>
+          <a:ln w="38100">
+            <a:solidFill>
+              <a:srgbClr val="FF0000"/>
+            </a:solidFill>
+          </a:ln>
+        </p:spPr>
+        <p:style>
+          <a:lnRef idx="2">
+            <a:schemeClr val="accent1">
+              <a:shade val="50000"/>
+            </a:schemeClr>
+          </a:lnRef>
+          <a:fillRef idx="1">
+            <a:schemeClr val="accent1"/>
+          </a:fillRef>
+          <a:effectRef idx="0">
+            <a:schemeClr val="accent1"/>
+          </a:effectRef>
+          <a:fontRef idx="minor">
+            <a:schemeClr val="lt1"/>
+          </a:fontRef>
+        </p:style>
+        <p:txBody>
+          <a:bodyPr rtlCol="0" anchor="ctr"/>
+          <a:lstStyle/>
+          <a:p>
+            <a:pPr algn="ctr"/>
+            <a:endParaRPr lang="en-GB"/>
+          </a:p>
+        </p:txBody>
+      </p:sp>
+    </p:spTree>
+    <p:extLst>
+      <p:ext uri="{BB962C8B-B14F-4D97-AF65-F5344CB8AC3E}">
+        <p14:creationId xmlns:p14="http://schemas.microsoft.com/office/powerpoint/2010/main" val="987209150"/>
+      </p:ext>
+    </p:extLst>
+  </p:cSld>
+  <p:clrMapOvr>
+    <a:masterClrMapping/>
+  </p:clrMapOvr>
+  <p:timing>
+    <p:tnLst>
+      <p:par>
+        <p:cTn id="1" dur="indefinite" restart="never" nodeType="tmRoot"/>
+      </p:par>
+    </p:tnLst>
+  </p:timing>
+</p:sld>
+</file>
+
+<file path=ppt/slides/slide8.xml><?xml version="1.0" encoding="utf-8"?>
+<p:sld xmlns:a="http://schemas.openxmlformats.org/drawingml/2006/main" xmlns:r="http://schemas.openxmlformats.org/officeDocument/2006/relationships" xmlns:p="http://schemas.openxmlformats.org/presentationml/2006/main">
+  <p:cSld>
+    <p:spTree>
+      <p:nvGrpSpPr>
+        <p:cNvPr id="1" name=""/>
+        <p:cNvGrpSpPr/>
+        <p:nvPr/>
+      </p:nvGrpSpPr>
+      <p:grpSpPr>
+        <a:xfrm>
+          <a:off x="0" y="0"/>
+          <a:ext cx="0" cy="0"/>
+          <a:chOff x="0" y="0"/>
+          <a:chExt cx="0" cy="0"/>
+        </a:xfrm>
+      </p:grpSpPr>
+      <p:sp>
+        <p:nvSpPr>
+          <p:cNvPr id="2" name="Title 1"/>
+          <p:cNvSpPr>
+            <a:spLocks noGrp="1"/>
+          </p:cNvSpPr>
+          <p:nvPr>
+            <p:ph type="title"/>
+          </p:nvPr>
+        </p:nvSpPr>
+        <p:spPr/>
+        <p:txBody>
+          <a:bodyPr/>
+          <a:lstStyle/>
+          <a:p>
+            <a:r>
+              <a:rPr lang="en-GB" b="1" dirty="0" smtClean="0"/>
+              <a:t>Family </a:t>
+            </a:r>
+            <a:r>
+              <a:rPr lang="en-GB" b="1" dirty="0"/>
+              <a:t>Tree: General</a:t>
+            </a:r>
           </a:p>
         </p:txBody>
       </p:sp>
@@ -5324,376 +7998,13 @@
   <p:clrMapOvr>
     <a:masterClrMapping/>
   </p:clrMapOvr>
-</p:sld>
-</file>
-
-<file path=ppt/slides/slide8.xml><?xml version="1.0" encoding="utf-8"?>
-<p:sld xmlns:a="http://schemas.openxmlformats.org/drawingml/2006/main" xmlns:r="http://schemas.openxmlformats.org/officeDocument/2006/relationships" xmlns:p="http://schemas.openxmlformats.org/presentationml/2006/main">
-  <p:cSld>
-    <p:spTree>
-      <p:nvGrpSpPr>
-        <p:cNvPr id="1" name=""/>
-        <p:cNvGrpSpPr/>
-        <p:nvPr/>
-      </p:nvGrpSpPr>
-      <p:grpSpPr>
-        <a:xfrm>
-          <a:off x="0" y="0"/>
-          <a:ext cx="0" cy="0"/>
-          <a:chOff x="0" y="0"/>
-          <a:chExt cx="0" cy="0"/>
-        </a:xfrm>
-      </p:grpSpPr>
-      <p:sp>
-        <p:nvSpPr>
-          <p:cNvPr id="2" name="Title 1"/>
-          <p:cNvSpPr>
-            <a:spLocks noGrp="1"/>
-          </p:cNvSpPr>
-          <p:nvPr>
-            <p:ph type="title"/>
-          </p:nvPr>
-        </p:nvSpPr>
-        <p:spPr/>
-        <p:txBody>
-          <a:bodyPr/>
-          <a:lstStyle/>
-          <a:p>
-            <a:r>
-              <a:rPr lang="en-GB" dirty="0" smtClean="0"/>
-              <a:t>Sample</a:t>
-            </a:r>
-            <a:endParaRPr lang="en-GB" dirty="0"/>
-          </a:p>
-        </p:txBody>
-      </p:sp>
-      <p:sp>
-        <p:nvSpPr>
-          <p:cNvPr id="3" name="Content Placeholder 2"/>
-          <p:cNvSpPr>
-            <a:spLocks noGrp="1"/>
-          </p:cNvSpPr>
-          <p:nvPr>
-            <p:ph idx="1"/>
-          </p:nvPr>
-        </p:nvSpPr>
-        <p:spPr>
-          <a:xfrm>
-            <a:off x="838200" y="1446245"/>
-            <a:ext cx="10515600" cy="4730718"/>
-          </a:xfrm>
-        </p:spPr>
-        <p:txBody>
-          <a:bodyPr>
-            <a:normAutofit fontScale="77500" lnSpcReduction="20000"/>
-          </a:bodyPr>
-          <a:lstStyle/>
-          <a:p>
-            <a:pPr marL="0" indent="0">
-              <a:buNone/>
-            </a:pPr>
-            <a:r>
-              <a:rPr lang="en-GB" b="1" dirty="0" smtClean="0">
-                <a:solidFill>
-                  <a:schemeClr val="accent6">
-                    <a:lumMod val="75000"/>
-                  </a:schemeClr>
-                </a:solidFill>
-                <a:latin typeface="Consolas" panose="020B0609020204030204" pitchFamily="49" charset="0"/>
-                <a:cs typeface="Consolas" panose="020B0609020204030204" pitchFamily="49" charset="0"/>
-              </a:rPr>
-              <a:t>(define (fizz number)</a:t>
-            </a:r>
-          </a:p>
-          <a:p>
-            <a:pPr marL="0" indent="0">
-              <a:buNone/>
-            </a:pPr>
-            <a:r>
-              <a:rPr lang="en-GB" b="1" dirty="0" smtClean="0">
-                <a:solidFill>
-                  <a:schemeClr val="accent6">
-                    <a:lumMod val="75000"/>
-                  </a:schemeClr>
-                </a:solidFill>
-                <a:latin typeface="Consolas" panose="020B0609020204030204" pitchFamily="49" charset="0"/>
-                <a:cs typeface="Consolas" panose="020B0609020204030204" pitchFamily="49" charset="0"/>
-              </a:rPr>
-              <a:t>  </a:t>
-            </a:r>
-          </a:p>
-          <a:p>
-            <a:pPr marL="0" indent="0">
-              <a:buNone/>
-            </a:pPr>
-            <a:r>
-              <a:rPr lang="en-GB" b="1" dirty="0" smtClean="0">
-                <a:solidFill>
-                  <a:schemeClr val="accent6">
-                    <a:lumMod val="75000"/>
-                  </a:schemeClr>
-                </a:solidFill>
-                <a:latin typeface="Consolas" panose="020B0609020204030204" pitchFamily="49" charset="0"/>
-                <a:cs typeface="Consolas" panose="020B0609020204030204" pitchFamily="49" charset="0"/>
-              </a:rPr>
-              <a:t>  (define (divisible-by? dividend) </a:t>
-            </a:r>
-          </a:p>
-          <a:p>
-            <a:pPr marL="0" indent="0">
-              <a:buNone/>
-            </a:pPr>
-            <a:r>
-              <a:rPr lang="en-GB" b="1" dirty="0" smtClean="0">
-                <a:solidFill>
-                  <a:schemeClr val="accent6">
-                    <a:lumMod val="75000"/>
-                  </a:schemeClr>
-                </a:solidFill>
-                <a:latin typeface="Consolas" panose="020B0609020204030204" pitchFamily="49" charset="0"/>
-                <a:cs typeface="Consolas" panose="020B0609020204030204" pitchFamily="49" charset="0"/>
-              </a:rPr>
-              <a:t>    (</a:t>
-            </a:r>
-            <a:r>
-              <a:rPr lang="en-GB" b="1" dirty="0" err="1" smtClean="0">
-                <a:solidFill>
-                  <a:schemeClr val="accent6">
-                    <a:lumMod val="75000"/>
-                  </a:schemeClr>
-                </a:solidFill>
-                <a:latin typeface="Consolas" panose="020B0609020204030204" pitchFamily="49" charset="0"/>
-                <a:cs typeface="Consolas" panose="020B0609020204030204" pitchFamily="49" charset="0"/>
-              </a:rPr>
-              <a:t>eq</a:t>
-            </a:r>
-            <a:r>
-              <a:rPr lang="en-GB" b="1" dirty="0" smtClean="0">
-                <a:solidFill>
-                  <a:schemeClr val="accent6">
-                    <a:lumMod val="75000"/>
-                  </a:schemeClr>
-                </a:solidFill>
-                <a:latin typeface="Consolas" panose="020B0609020204030204" pitchFamily="49" charset="0"/>
-                <a:cs typeface="Consolas" panose="020B0609020204030204" pitchFamily="49" charset="0"/>
-              </a:rPr>
-              <a:t>? (modulo number dividend) 0))</a:t>
-            </a:r>
-          </a:p>
-          <a:p>
-            <a:pPr marL="0" indent="0">
-              <a:buNone/>
-            </a:pPr>
-            <a:r>
-              <a:rPr lang="en-GB" b="1" dirty="0" smtClean="0">
-                <a:solidFill>
-                  <a:schemeClr val="accent6">
-                    <a:lumMod val="75000"/>
-                  </a:schemeClr>
-                </a:solidFill>
-                <a:latin typeface="Consolas" panose="020B0609020204030204" pitchFamily="49" charset="0"/>
-                <a:cs typeface="Consolas" panose="020B0609020204030204" pitchFamily="49" charset="0"/>
-              </a:rPr>
-              <a:t>  </a:t>
-            </a:r>
-          </a:p>
-          <a:p>
-            <a:pPr marL="0" indent="0">
-              <a:buNone/>
-            </a:pPr>
-            <a:r>
-              <a:rPr lang="en-GB" b="1" dirty="0" smtClean="0">
-                <a:solidFill>
-                  <a:schemeClr val="accent6">
-                    <a:lumMod val="75000"/>
-                  </a:schemeClr>
-                </a:solidFill>
-                <a:latin typeface="Consolas" panose="020B0609020204030204" pitchFamily="49" charset="0"/>
-                <a:cs typeface="Consolas" panose="020B0609020204030204" pitchFamily="49" charset="0"/>
-              </a:rPr>
-              <a:t>  (</a:t>
-            </a:r>
-            <a:r>
-              <a:rPr lang="en-GB" b="1" dirty="0" err="1" smtClean="0">
-                <a:solidFill>
-                  <a:schemeClr val="accent6">
-                    <a:lumMod val="75000"/>
-                  </a:schemeClr>
-                </a:solidFill>
-                <a:latin typeface="Consolas" panose="020B0609020204030204" pitchFamily="49" charset="0"/>
-                <a:cs typeface="Consolas" panose="020B0609020204030204" pitchFamily="49" charset="0"/>
-              </a:rPr>
-              <a:t>cond</a:t>
-            </a:r>
-            <a:r>
-              <a:rPr lang="en-GB" b="1" dirty="0" smtClean="0">
-                <a:solidFill>
-                  <a:schemeClr val="accent6">
-                    <a:lumMod val="75000"/>
-                  </a:schemeClr>
-                </a:solidFill>
-                <a:latin typeface="Consolas" panose="020B0609020204030204" pitchFamily="49" charset="0"/>
-                <a:cs typeface="Consolas" panose="020B0609020204030204" pitchFamily="49" charset="0"/>
-              </a:rPr>
-              <a:t> </a:t>
-            </a:r>
-          </a:p>
-          <a:p>
-            <a:pPr marL="0" indent="0">
-              <a:buNone/>
-            </a:pPr>
-            <a:r>
-              <a:rPr lang="en-GB" b="1" dirty="0" smtClean="0">
-                <a:solidFill>
-                  <a:schemeClr val="accent6">
-                    <a:lumMod val="75000"/>
-                  </a:schemeClr>
-                </a:solidFill>
-                <a:latin typeface="Consolas" panose="020B0609020204030204" pitchFamily="49" charset="0"/>
-                <a:cs typeface="Consolas" panose="020B0609020204030204" pitchFamily="49" charset="0"/>
-              </a:rPr>
-              <a:t>    ((divisible-by? 15) "</a:t>
-            </a:r>
-            <a:r>
-              <a:rPr lang="en-GB" b="1" dirty="0" err="1" smtClean="0">
-                <a:solidFill>
-                  <a:schemeClr val="accent6">
-                    <a:lumMod val="75000"/>
-                  </a:schemeClr>
-                </a:solidFill>
-                <a:latin typeface="Consolas" panose="020B0609020204030204" pitchFamily="49" charset="0"/>
-                <a:cs typeface="Consolas" panose="020B0609020204030204" pitchFamily="49" charset="0"/>
-              </a:rPr>
-              <a:t>FizzBuzz</a:t>
-            </a:r>
-            <a:r>
-              <a:rPr lang="en-GB" b="1" dirty="0" smtClean="0">
-                <a:solidFill>
-                  <a:schemeClr val="accent6">
-                    <a:lumMod val="75000"/>
-                  </a:schemeClr>
-                </a:solidFill>
-                <a:latin typeface="Consolas" panose="020B0609020204030204" pitchFamily="49" charset="0"/>
-                <a:cs typeface="Consolas" panose="020B0609020204030204" pitchFamily="49" charset="0"/>
-              </a:rPr>
-              <a:t>")</a:t>
-            </a:r>
-          </a:p>
-          <a:p>
-            <a:pPr marL="0" indent="0">
-              <a:buNone/>
-            </a:pPr>
-            <a:r>
-              <a:rPr lang="en-GB" b="1" dirty="0" smtClean="0">
-                <a:solidFill>
-                  <a:schemeClr val="accent6">
-                    <a:lumMod val="75000"/>
-                  </a:schemeClr>
-                </a:solidFill>
-                <a:latin typeface="Consolas" panose="020B0609020204030204" pitchFamily="49" charset="0"/>
-                <a:cs typeface="Consolas" panose="020B0609020204030204" pitchFamily="49" charset="0"/>
-              </a:rPr>
-              <a:t>    ((divisible-by? 5) "Buzz")</a:t>
-            </a:r>
-          </a:p>
-          <a:p>
-            <a:pPr marL="0" indent="0">
-              <a:buNone/>
-            </a:pPr>
-            <a:r>
-              <a:rPr lang="en-GB" b="1" dirty="0" smtClean="0">
-                <a:solidFill>
-                  <a:schemeClr val="accent6">
-                    <a:lumMod val="75000"/>
-                  </a:schemeClr>
-                </a:solidFill>
-                <a:latin typeface="Consolas" panose="020B0609020204030204" pitchFamily="49" charset="0"/>
-                <a:cs typeface="Consolas" panose="020B0609020204030204" pitchFamily="49" charset="0"/>
-              </a:rPr>
-              <a:t>    ((divisible-by? 3) "Fizz")</a:t>
-            </a:r>
-          </a:p>
-          <a:p>
-            <a:pPr marL="0" indent="0">
-              <a:buNone/>
-            </a:pPr>
-            <a:r>
-              <a:rPr lang="en-GB" b="1" dirty="0" smtClean="0">
-                <a:solidFill>
-                  <a:schemeClr val="accent6">
-                    <a:lumMod val="75000"/>
-                  </a:schemeClr>
-                </a:solidFill>
-                <a:latin typeface="Consolas" panose="020B0609020204030204" pitchFamily="49" charset="0"/>
-                <a:cs typeface="Consolas" panose="020B0609020204030204" pitchFamily="49" charset="0"/>
-              </a:rPr>
-              <a:t>    (else (number-&gt;string number))))</a:t>
-            </a:r>
-          </a:p>
-          <a:p>
-            <a:pPr marL="0" indent="0">
-              <a:buNone/>
-            </a:pPr>
-            <a:endParaRPr lang="en-GB" b="1" dirty="0">
-              <a:solidFill>
-                <a:schemeClr val="accent6">
-                  <a:lumMod val="75000"/>
-                </a:schemeClr>
-              </a:solidFill>
-              <a:latin typeface="Consolas" panose="020B0609020204030204" pitchFamily="49" charset="0"/>
-              <a:cs typeface="Consolas" panose="020B0609020204030204" pitchFamily="49" charset="0"/>
-            </a:endParaRPr>
-          </a:p>
-          <a:p>
-            <a:pPr marL="0" indent="0">
-              <a:buNone/>
-            </a:pPr>
-            <a:r>
-              <a:rPr lang="en-GB" b="1" dirty="0" smtClean="0">
-                <a:latin typeface="Consolas" panose="020B0609020204030204" pitchFamily="49" charset="0"/>
-                <a:cs typeface="Consolas" panose="020B0609020204030204" pitchFamily="49" charset="0"/>
-              </a:rPr>
-              <a:t>&gt; (fizz 15)</a:t>
-            </a:r>
-          </a:p>
-          <a:p>
-            <a:pPr marL="0" indent="0">
-              <a:buNone/>
-            </a:pPr>
-            <a:r>
-              <a:rPr lang="en-GB" b="1" dirty="0" smtClean="0">
-                <a:latin typeface="Consolas" panose="020B0609020204030204" pitchFamily="49" charset="0"/>
-                <a:cs typeface="Consolas" panose="020B0609020204030204" pitchFamily="49" charset="0"/>
-              </a:rPr>
-              <a:t>“</a:t>
-            </a:r>
-            <a:r>
-              <a:rPr lang="en-GB" b="1" dirty="0" err="1" smtClean="0">
-                <a:latin typeface="Consolas" panose="020B0609020204030204" pitchFamily="49" charset="0"/>
-                <a:cs typeface="Consolas" panose="020B0609020204030204" pitchFamily="49" charset="0"/>
-              </a:rPr>
-              <a:t>FizzBuzz</a:t>
-            </a:r>
-            <a:r>
-              <a:rPr lang="en-GB" b="1" dirty="0" smtClean="0">
-                <a:latin typeface="Consolas" panose="020B0609020204030204" pitchFamily="49" charset="0"/>
-                <a:cs typeface="Consolas" panose="020B0609020204030204" pitchFamily="49" charset="0"/>
-              </a:rPr>
-              <a:t>”</a:t>
-            </a:r>
-          </a:p>
-        </p:txBody>
-      </p:sp>
-    </p:spTree>
-    <p:extLst>
-      <p:ext uri="{BB962C8B-B14F-4D97-AF65-F5344CB8AC3E}">
-        <p14:creationId xmlns:p14="http://schemas.microsoft.com/office/powerpoint/2010/main" val="3362548767"/>
-      </p:ext>
-    </p:extLst>
-  </p:cSld>
-  <p:clrMapOvr>
-    <a:masterClrMapping/>
-  </p:clrMapOvr>
+  <p:timing>
+    <p:tnLst>
+      <p:par>
+        <p:cTn id="1" dur="indefinite" restart="never" nodeType="tmRoot"/>
+      </p:par>
+    </p:tnLst>
+  </p:timing>
 </p:sld>
 </file>
 
@@ -5730,64 +8041,347 @@
           <a:lstStyle/>
           <a:p>
             <a:r>
-              <a:rPr lang="en-GB" dirty="0" smtClean="0"/>
-              <a:t>Parentheses</a:t>
-            </a:r>
-            <a:endParaRPr lang="en-GB" dirty="0"/>
-          </a:p>
-        </p:txBody>
-      </p:sp>
-      <p:pic>
-        <p:nvPicPr>
-          <p:cNvPr id="4098" name="Picture 2" descr="http://www.loper-os.org/wp-content/parphobia.png"/>
-          <p:cNvPicPr>
-            <a:picLocks noChangeAspect="1" noChangeArrowheads="1"/>
-          </p:cNvPicPr>
-          <p:nvPr/>
-        </p:nvPicPr>
-        <p:blipFill>
-          <a:blip r:embed="rId2">
-            <a:extLst>
-              <a:ext uri="{28A0092B-C50C-407E-A947-70E740481C1C}">
-                <a14:useLocalDpi xmlns:a14="http://schemas.microsoft.com/office/drawing/2010/main" val="0"/>
-              </a:ext>
-            </a:extLst>
-          </a:blip>
-          <a:srcRect/>
-          <a:stretch>
-            <a:fillRect/>
-          </a:stretch>
-        </p:blipFill>
-        <p:spPr bwMode="auto">
+              <a:rPr lang="en-GB" b="1" dirty="0" smtClean="0"/>
+              <a:t>Scheme Sample</a:t>
+            </a:r>
+            <a:endParaRPr lang="en-GB" b="1" dirty="0"/>
+          </a:p>
+        </p:txBody>
+      </p:sp>
+      <p:sp>
+        <p:nvSpPr>
+          <p:cNvPr id="3" name="Content Placeholder 2"/>
+          <p:cNvSpPr>
+            <a:spLocks noGrp="1"/>
+          </p:cNvSpPr>
+          <p:nvPr>
+            <p:ph idx="1"/>
+          </p:nvPr>
+        </p:nvSpPr>
+        <p:spPr>
           <a:xfrm>
-            <a:off x="2982751" y="1402641"/>
-            <a:ext cx="5396139" cy="5044405"/>
-          </a:xfrm>
-          <a:prstGeom prst="rect">
-            <a:avLst/>
-          </a:prstGeom>
-          <a:noFill/>
-          <a:extLst>
-            <a:ext uri="{909E8E84-426E-40DD-AFC4-6F175D3DCCD1}">
-              <a14:hiddenFill xmlns:a14="http://schemas.microsoft.com/office/drawing/2010/main">
-                <a:solidFill>
-                  <a:srgbClr val="FFFFFF"/>
-                </a:solidFill>
-              </a14:hiddenFill>
-            </a:ext>
-          </a:extLst>
-        </p:spPr>
-      </p:pic>
+            <a:off x="838200" y="1446245"/>
+            <a:ext cx="10515600" cy="4730718"/>
+          </a:xfrm>
+        </p:spPr>
+        <p:txBody>
+          <a:bodyPr>
+            <a:normAutofit fontScale="77500" lnSpcReduction="20000"/>
+          </a:bodyPr>
+          <a:lstStyle/>
+          <a:p>
+            <a:pPr marL="0" indent="0">
+              <a:buNone/>
+            </a:pPr>
+            <a:r>
+              <a:rPr lang="en-GB" b="1" dirty="0" smtClean="0">
+                <a:solidFill>
+                  <a:schemeClr val="accent6">
+                    <a:lumMod val="75000"/>
+                  </a:schemeClr>
+                </a:solidFill>
+                <a:latin typeface="Consolas" panose="020B0609020204030204" pitchFamily="49" charset="0"/>
+                <a:cs typeface="Consolas" panose="020B0609020204030204" pitchFamily="49" charset="0"/>
+              </a:rPr>
+              <a:t>(define (fizz number)</a:t>
+            </a:r>
+          </a:p>
+          <a:p>
+            <a:pPr marL="0" indent="0">
+              <a:buNone/>
+            </a:pPr>
+            <a:r>
+              <a:rPr lang="en-GB" b="1" dirty="0" smtClean="0">
+                <a:solidFill>
+                  <a:schemeClr val="accent6">
+                    <a:lumMod val="75000"/>
+                  </a:schemeClr>
+                </a:solidFill>
+                <a:latin typeface="Consolas" panose="020B0609020204030204" pitchFamily="49" charset="0"/>
+                <a:cs typeface="Consolas" panose="020B0609020204030204" pitchFamily="49" charset="0"/>
+              </a:rPr>
+              <a:t>  </a:t>
+            </a:r>
+          </a:p>
+          <a:p>
+            <a:pPr marL="0" indent="0">
+              <a:buNone/>
+            </a:pPr>
+            <a:r>
+              <a:rPr lang="en-GB" b="1" dirty="0" smtClean="0">
+                <a:solidFill>
+                  <a:schemeClr val="accent6">
+                    <a:lumMod val="75000"/>
+                  </a:schemeClr>
+                </a:solidFill>
+                <a:latin typeface="Consolas" panose="020B0609020204030204" pitchFamily="49" charset="0"/>
+                <a:cs typeface="Consolas" panose="020B0609020204030204" pitchFamily="49" charset="0"/>
+              </a:rPr>
+              <a:t>  (define (divisible-by? dividend) </a:t>
+            </a:r>
+          </a:p>
+          <a:p>
+            <a:pPr marL="0" indent="0">
+              <a:buNone/>
+            </a:pPr>
+            <a:r>
+              <a:rPr lang="en-GB" b="1" dirty="0" smtClean="0">
+                <a:solidFill>
+                  <a:schemeClr val="accent6">
+                    <a:lumMod val="75000"/>
+                  </a:schemeClr>
+                </a:solidFill>
+                <a:latin typeface="Consolas" panose="020B0609020204030204" pitchFamily="49" charset="0"/>
+                <a:cs typeface="Consolas" panose="020B0609020204030204" pitchFamily="49" charset="0"/>
+              </a:rPr>
+              <a:t>    (</a:t>
+            </a:r>
+            <a:r>
+              <a:rPr lang="en-GB" b="1" dirty="0" err="1" smtClean="0">
+                <a:solidFill>
+                  <a:schemeClr val="accent6">
+                    <a:lumMod val="75000"/>
+                  </a:schemeClr>
+                </a:solidFill>
+                <a:latin typeface="Consolas" panose="020B0609020204030204" pitchFamily="49" charset="0"/>
+                <a:cs typeface="Consolas" panose="020B0609020204030204" pitchFamily="49" charset="0"/>
+              </a:rPr>
+              <a:t>eq</a:t>
+            </a:r>
+            <a:r>
+              <a:rPr lang="en-GB" b="1" dirty="0" smtClean="0">
+                <a:solidFill>
+                  <a:schemeClr val="accent6">
+                    <a:lumMod val="75000"/>
+                  </a:schemeClr>
+                </a:solidFill>
+                <a:latin typeface="Consolas" panose="020B0609020204030204" pitchFamily="49" charset="0"/>
+                <a:cs typeface="Consolas" panose="020B0609020204030204" pitchFamily="49" charset="0"/>
+              </a:rPr>
+              <a:t>? (modulo number dividend) 0))</a:t>
+            </a:r>
+          </a:p>
+          <a:p>
+            <a:pPr marL="0" indent="0">
+              <a:buNone/>
+            </a:pPr>
+            <a:r>
+              <a:rPr lang="en-GB" b="1" dirty="0" smtClean="0">
+                <a:solidFill>
+                  <a:schemeClr val="accent6">
+                    <a:lumMod val="75000"/>
+                  </a:schemeClr>
+                </a:solidFill>
+                <a:latin typeface="Consolas" panose="020B0609020204030204" pitchFamily="49" charset="0"/>
+                <a:cs typeface="Consolas" panose="020B0609020204030204" pitchFamily="49" charset="0"/>
+              </a:rPr>
+              <a:t>  </a:t>
+            </a:r>
+          </a:p>
+          <a:p>
+            <a:pPr marL="0" indent="0">
+              <a:buNone/>
+            </a:pPr>
+            <a:r>
+              <a:rPr lang="en-GB" b="1" dirty="0" smtClean="0">
+                <a:solidFill>
+                  <a:schemeClr val="accent6">
+                    <a:lumMod val="75000"/>
+                  </a:schemeClr>
+                </a:solidFill>
+                <a:latin typeface="Consolas" panose="020B0609020204030204" pitchFamily="49" charset="0"/>
+                <a:cs typeface="Consolas" panose="020B0609020204030204" pitchFamily="49" charset="0"/>
+              </a:rPr>
+              <a:t>  (</a:t>
+            </a:r>
+            <a:r>
+              <a:rPr lang="en-GB" b="1" dirty="0" err="1" smtClean="0">
+                <a:solidFill>
+                  <a:schemeClr val="accent6">
+                    <a:lumMod val="75000"/>
+                  </a:schemeClr>
+                </a:solidFill>
+                <a:latin typeface="Consolas" panose="020B0609020204030204" pitchFamily="49" charset="0"/>
+                <a:cs typeface="Consolas" panose="020B0609020204030204" pitchFamily="49" charset="0"/>
+              </a:rPr>
+              <a:t>cond</a:t>
+            </a:r>
+            <a:r>
+              <a:rPr lang="en-GB" b="1" dirty="0" smtClean="0">
+                <a:solidFill>
+                  <a:schemeClr val="accent6">
+                    <a:lumMod val="75000"/>
+                  </a:schemeClr>
+                </a:solidFill>
+                <a:latin typeface="Consolas" panose="020B0609020204030204" pitchFamily="49" charset="0"/>
+                <a:cs typeface="Consolas" panose="020B0609020204030204" pitchFamily="49" charset="0"/>
+              </a:rPr>
+              <a:t> </a:t>
+            </a:r>
+          </a:p>
+          <a:p>
+            <a:pPr marL="0" indent="0">
+              <a:buNone/>
+            </a:pPr>
+            <a:r>
+              <a:rPr lang="en-GB" b="1" dirty="0" smtClean="0">
+                <a:solidFill>
+                  <a:schemeClr val="accent6">
+                    <a:lumMod val="75000"/>
+                  </a:schemeClr>
+                </a:solidFill>
+                <a:latin typeface="Consolas" panose="020B0609020204030204" pitchFamily="49" charset="0"/>
+                <a:cs typeface="Consolas" panose="020B0609020204030204" pitchFamily="49" charset="0"/>
+              </a:rPr>
+              <a:t>    ((divisible-by? 15) "</a:t>
+            </a:r>
+            <a:r>
+              <a:rPr lang="en-GB" b="1" dirty="0" err="1" smtClean="0">
+                <a:solidFill>
+                  <a:schemeClr val="accent6">
+                    <a:lumMod val="75000"/>
+                  </a:schemeClr>
+                </a:solidFill>
+                <a:latin typeface="Consolas" panose="020B0609020204030204" pitchFamily="49" charset="0"/>
+                <a:cs typeface="Consolas" panose="020B0609020204030204" pitchFamily="49" charset="0"/>
+              </a:rPr>
+              <a:t>FizzBuzz</a:t>
+            </a:r>
+            <a:r>
+              <a:rPr lang="en-GB" b="1" dirty="0" smtClean="0">
+                <a:solidFill>
+                  <a:schemeClr val="accent6">
+                    <a:lumMod val="75000"/>
+                  </a:schemeClr>
+                </a:solidFill>
+                <a:latin typeface="Consolas" panose="020B0609020204030204" pitchFamily="49" charset="0"/>
+                <a:cs typeface="Consolas" panose="020B0609020204030204" pitchFamily="49" charset="0"/>
+              </a:rPr>
+              <a:t>")</a:t>
+            </a:r>
+          </a:p>
+          <a:p>
+            <a:pPr marL="0" indent="0">
+              <a:buNone/>
+            </a:pPr>
+            <a:r>
+              <a:rPr lang="en-GB" b="1" dirty="0" smtClean="0">
+                <a:solidFill>
+                  <a:schemeClr val="accent6">
+                    <a:lumMod val="75000"/>
+                  </a:schemeClr>
+                </a:solidFill>
+                <a:latin typeface="Consolas" panose="020B0609020204030204" pitchFamily="49" charset="0"/>
+                <a:cs typeface="Consolas" panose="020B0609020204030204" pitchFamily="49" charset="0"/>
+              </a:rPr>
+              <a:t>    ((divisible-by? 5) "Buzz")</a:t>
+            </a:r>
+          </a:p>
+          <a:p>
+            <a:pPr marL="0" indent="0">
+              <a:buNone/>
+            </a:pPr>
+            <a:r>
+              <a:rPr lang="en-GB" b="1" dirty="0" smtClean="0">
+                <a:solidFill>
+                  <a:schemeClr val="accent6">
+                    <a:lumMod val="75000"/>
+                  </a:schemeClr>
+                </a:solidFill>
+                <a:latin typeface="Consolas" panose="020B0609020204030204" pitchFamily="49" charset="0"/>
+                <a:cs typeface="Consolas" panose="020B0609020204030204" pitchFamily="49" charset="0"/>
+              </a:rPr>
+              <a:t>    ((divisible-by? 3) "Fizz")</a:t>
+            </a:r>
+          </a:p>
+          <a:p>
+            <a:pPr marL="0" indent="0">
+              <a:buNone/>
+            </a:pPr>
+            <a:r>
+              <a:rPr lang="en-GB" b="1" dirty="0" smtClean="0">
+                <a:solidFill>
+                  <a:schemeClr val="accent6">
+                    <a:lumMod val="75000"/>
+                  </a:schemeClr>
+                </a:solidFill>
+                <a:latin typeface="Consolas" panose="020B0609020204030204" pitchFamily="49" charset="0"/>
+                <a:cs typeface="Consolas" panose="020B0609020204030204" pitchFamily="49" charset="0"/>
+              </a:rPr>
+              <a:t>    (else (number-&gt;string number))))</a:t>
+            </a:r>
+          </a:p>
+          <a:p>
+            <a:pPr marL="0" indent="0">
+              <a:buNone/>
+            </a:pPr>
+            <a:endParaRPr lang="en-GB" b="1" dirty="0">
+              <a:solidFill>
+                <a:schemeClr val="accent6">
+                  <a:lumMod val="75000"/>
+                </a:schemeClr>
+              </a:solidFill>
+              <a:latin typeface="Consolas" panose="020B0609020204030204" pitchFamily="49" charset="0"/>
+              <a:cs typeface="Consolas" panose="020B0609020204030204" pitchFamily="49" charset="0"/>
+            </a:endParaRPr>
+          </a:p>
+          <a:p>
+            <a:pPr marL="0" indent="0">
+              <a:buNone/>
+            </a:pPr>
+            <a:r>
+              <a:rPr lang="en-GB" b="1" dirty="0" smtClean="0">
+                <a:latin typeface="Consolas" panose="020B0609020204030204" pitchFamily="49" charset="0"/>
+                <a:cs typeface="Consolas" panose="020B0609020204030204" pitchFamily="49" charset="0"/>
+              </a:rPr>
+              <a:t>&gt; (fizz 15)</a:t>
+            </a:r>
+          </a:p>
+          <a:p>
+            <a:pPr marL="0" indent="0">
+              <a:buNone/>
+            </a:pPr>
+            <a:r>
+              <a:rPr lang="en-GB" b="1" dirty="0" smtClean="0">
+                <a:latin typeface="Consolas" panose="020B0609020204030204" pitchFamily="49" charset="0"/>
+                <a:cs typeface="Consolas" panose="020B0609020204030204" pitchFamily="49" charset="0"/>
+              </a:rPr>
+              <a:t>“</a:t>
+            </a:r>
+            <a:r>
+              <a:rPr lang="en-GB" b="1" dirty="0" err="1" smtClean="0">
+                <a:latin typeface="Consolas" panose="020B0609020204030204" pitchFamily="49" charset="0"/>
+                <a:cs typeface="Consolas" panose="020B0609020204030204" pitchFamily="49" charset="0"/>
+              </a:rPr>
+              <a:t>FizzBuzz</a:t>
+            </a:r>
+            <a:r>
+              <a:rPr lang="en-GB" b="1" dirty="0" smtClean="0">
+                <a:latin typeface="Consolas" panose="020B0609020204030204" pitchFamily="49" charset="0"/>
+                <a:cs typeface="Consolas" panose="020B0609020204030204" pitchFamily="49" charset="0"/>
+              </a:rPr>
+              <a:t>”</a:t>
+            </a:r>
+          </a:p>
+        </p:txBody>
+      </p:sp>
     </p:spTree>
     <p:extLst>
       <p:ext uri="{BB962C8B-B14F-4D97-AF65-F5344CB8AC3E}">
-        <p14:creationId xmlns:p14="http://schemas.microsoft.com/office/powerpoint/2010/main" val="1166743845"/>
+        <p14:creationId xmlns:p14="http://schemas.microsoft.com/office/powerpoint/2010/main" val="3362548767"/>
       </p:ext>
     </p:extLst>
   </p:cSld>
   <p:clrMapOvr>
     <a:masterClrMapping/>
   </p:clrMapOvr>
+  <p:timing>
+    <p:tnLst>
+      <p:par>
+        <p:cTn id="1" dur="indefinite" restart="never" nodeType="tmRoot"/>
+      </p:par>
+    </p:tnLst>
+  </p:timing>
 </p:sld>
 </file>
 
